--- a/IFN701 PPT Week12.pptx
+++ b/IFN701 PPT Week12.pptx
@@ -11,23 +11,21 @@
     <p:sldId id="264" r:id="rId5"/>
     <p:sldId id="267" r:id="rId6"/>
     <p:sldId id="268" r:id="rId7"/>
-    <p:sldId id="283" r:id="rId8"/>
-    <p:sldId id="287" r:id="rId9"/>
-    <p:sldId id="285" r:id="rId10"/>
-    <p:sldId id="286" r:id="rId11"/>
-    <p:sldId id="288" r:id="rId12"/>
-    <p:sldId id="289" r:id="rId13"/>
-    <p:sldId id="290" r:id="rId14"/>
-    <p:sldId id="291" r:id="rId15"/>
-    <p:sldId id="279" r:id="rId16"/>
-    <p:sldId id="282" r:id="rId17"/>
-    <p:sldId id="281" r:id="rId18"/>
-    <p:sldId id="280" r:id="rId19"/>
-    <p:sldId id="294" r:id="rId20"/>
-    <p:sldId id="295" r:id="rId21"/>
-    <p:sldId id="296" r:id="rId22"/>
-    <p:sldId id="277" r:id="rId23"/>
-    <p:sldId id="278" r:id="rId24"/>
+    <p:sldId id="287" r:id="rId8"/>
+    <p:sldId id="285" r:id="rId9"/>
+    <p:sldId id="286" r:id="rId10"/>
+    <p:sldId id="288" r:id="rId11"/>
+    <p:sldId id="289" r:id="rId12"/>
+    <p:sldId id="291" r:id="rId13"/>
+    <p:sldId id="279" r:id="rId14"/>
+    <p:sldId id="282" r:id="rId15"/>
+    <p:sldId id="281" r:id="rId16"/>
+    <p:sldId id="280" r:id="rId17"/>
+    <p:sldId id="294" r:id="rId18"/>
+    <p:sldId id="295" r:id="rId19"/>
+    <p:sldId id="298" r:id="rId20"/>
+    <p:sldId id="277" r:id="rId21"/>
+    <p:sldId id="278" r:id="rId22"/>
   </p:sldIdLst>
   <p:sldSz cx="12192000" cy="6858000"/>
   <p:notesSz cx="6858000" cy="9144000"/>
@@ -135,7 +133,11 @@
 </file>
 
 <file path=ppt/revisionInfo.xml><?xml version="1.0" encoding="utf-8"?>
-<p1510:revInfo xmlns:a="http://schemas.openxmlformats.org/drawingml/2006/main" xmlns:r="http://schemas.openxmlformats.org/officeDocument/2006/relationships" xmlns:p1510="http://schemas.microsoft.com/office/powerpoint/2015/10/main"/>
+<p1510:revInfo xmlns:a="http://schemas.openxmlformats.org/drawingml/2006/main" xmlns:r="http://schemas.openxmlformats.org/officeDocument/2006/relationships" xmlns:p1510="http://schemas.microsoft.com/office/powerpoint/2015/10/main">
+  <p1510:revLst>
+    <p1510:client id="{CC6867D9-910D-4D82-A259-C35D2C87D3EB}" v="17" dt="2017-10-18T04:32:49.827"/>
+  </p1510:revLst>
+</p1510:revInfo>
 </file>
 
 <file path=ppt/slideLayouts/slideLayout1.xml><?xml version="1.0" encoding="utf-8"?>
@@ -361,7 +363,7 @@
             <a:fld id="{5586B75A-687E-405C-8A0B-8D00578BA2C3}" type="datetimeFigureOut">
               <a:rPr lang="en-US" dirty="0"/>
               <a:pPr/>
-              <a:t>10/15/2017</a:t>
+              <a:t>10/18/2017</a:t>
             </a:fld>
             <a:endParaRPr lang="en-US"/>
           </a:p>
@@ -526,7 +528,7 @@
             <a:fld id="{5586B75A-687E-405C-8A0B-8D00578BA2C3}" type="datetimeFigureOut">
               <a:rPr lang="en-US" dirty="0"/>
               <a:pPr/>
-              <a:t>10/15/2017</a:t>
+              <a:t>10/18/2017</a:t>
             </a:fld>
             <a:endParaRPr lang="en-US"/>
           </a:p>
@@ -701,7 +703,7 @@
             <a:fld id="{5586B75A-687E-405C-8A0B-8D00578BA2C3}" type="datetimeFigureOut">
               <a:rPr lang="en-US" dirty="0"/>
               <a:pPr/>
-              <a:t>10/15/2017</a:t>
+              <a:t>10/18/2017</a:t>
             </a:fld>
             <a:endParaRPr lang="en-US"/>
           </a:p>
@@ -866,7 +868,7 @@
             <a:fld id="{5586B75A-687E-405C-8A0B-8D00578BA2C3}" type="datetimeFigureOut">
               <a:rPr lang="en-US" dirty="0"/>
               <a:pPr/>
-              <a:t>10/15/2017</a:t>
+              <a:t>10/18/2017</a:t>
             </a:fld>
             <a:endParaRPr lang="en-US"/>
           </a:p>
@@ -1120,7 +1122,7 @@
             <a:fld id="{5586B75A-687E-405C-8A0B-8D00578BA2C3}" type="datetimeFigureOut">
               <a:rPr lang="en-US" dirty="0"/>
               <a:pPr/>
-              <a:t>10/15/2017</a:t>
+              <a:t>10/18/2017</a:t>
             </a:fld>
             <a:endParaRPr lang="en-US"/>
           </a:p>
@@ -1402,7 +1404,7 @@
             <a:fld id="{5586B75A-687E-405C-8A0B-8D00578BA2C3}" type="datetimeFigureOut">
               <a:rPr lang="en-US" dirty="0"/>
               <a:pPr/>
-              <a:t>10/15/2017</a:t>
+              <a:t>10/18/2017</a:t>
             </a:fld>
             <a:endParaRPr lang="en-US"/>
           </a:p>
@@ -1838,7 +1840,7 @@
             <a:fld id="{5586B75A-687E-405C-8A0B-8D00578BA2C3}" type="datetimeFigureOut">
               <a:rPr lang="en-US" dirty="0"/>
               <a:pPr/>
-              <a:t>10/15/2017</a:t>
+              <a:t>10/18/2017</a:t>
             </a:fld>
             <a:endParaRPr lang="en-US"/>
           </a:p>
@@ -1952,7 +1954,7 @@
             <a:fld id="{5586B75A-687E-405C-8A0B-8D00578BA2C3}" type="datetimeFigureOut">
               <a:rPr lang="en-US" dirty="0"/>
               <a:pPr/>
-              <a:t>10/15/2017</a:t>
+              <a:t>10/18/2017</a:t>
             </a:fld>
             <a:endParaRPr lang="en-US"/>
           </a:p>
@@ -2044,7 +2046,7 @@
             <a:fld id="{5586B75A-687E-405C-8A0B-8D00578BA2C3}" type="datetimeFigureOut">
               <a:rPr lang="en-US" dirty="0"/>
               <a:pPr/>
-              <a:t>10/15/2017</a:t>
+              <a:t>10/18/2017</a:t>
             </a:fld>
             <a:endParaRPr lang="en-US"/>
           </a:p>
@@ -2327,7 +2329,7 @@
             <a:fld id="{5586B75A-687E-405C-8A0B-8D00578BA2C3}" type="datetimeFigureOut">
               <a:rPr lang="en-US" dirty="0"/>
               <a:pPr/>
-              <a:t>10/15/2017</a:t>
+              <a:t>10/18/2017</a:t>
             </a:fld>
             <a:endParaRPr lang="en-US"/>
           </a:p>
@@ -2595,7 +2597,7 @@
             <a:fld id="{5586B75A-687E-405C-8A0B-8D00578BA2C3}" type="datetimeFigureOut">
               <a:rPr lang="en-US" dirty="0"/>
               <a:pPr/>
-              <a:t>10/15/2017</a:t>
+              <a:t>10/18/2017</a:t>
             </a:fld>
             <a:endParaRPr lang="en-US"/>
           </a:p>
@@ -2887,7 +2889,7 @@
             <a:fld id="{5586B75A-687E-405C-8A0B-8D00578BA2C3}" type="datetimeFigureOut">
               <a:rPr lang="en-US" dirty="0"/>
               <a:pPr/>
-              <a:t>10/15/2017</a:t>
+              <a:t>10/18/2017</a:t>
             </a:fld>
             <a:endParaRPr lang="en-US"/>
           </a:p>
@@ -3685,7 +3687,7 @@
             <a:pPr algn="ctr"/>
             <a:r>
               <a:rPr lang="en-US" sz="3600" b="1" spc="-60">
-                <a:latin typeface="Arial"/>
+                <a:latin typeface="Corbel"/>
                 <a:cs typeface="Arial"/>
               </a:rPr>
               <a:t>An Analysis of </a:t>
@@ -3701,13 +3703,13 @@
             </a:br>
             <a:r>
               <a:rPr lang="en-US" sz="3600" b="1" spc="-60">
-                <a:latin typeface="Arial"/>
+                <a:latin typeface="Corbel"/>
                 <a:cs typeface="Arial"/>
               </a:rPr>
               <a:t>Spam SMS Features</a:t>
             </a:r>
             <a:endParaRPr lang="en-US" b="1">
-              <a:latin typeface="Arial"/>
+              <a:latin typeface="Corbel"/>
               <a:cs typeface="Arial"/>
             </a:endParaRPr>
           </a:p>
@@ -3742,7 +3744,7 @@
                 <a:solidFill>
                   <a:srgbClr val="FFFFFF"/>
                 </a:solidFill>
-                <a:latin typeface="Arial"/>
+                <a:latin typeface="Corbel"/>
                 <a:cs typeface="Arial"/>
               </a:rPr>
               <a:t>Harshita</a:t>
@@ -3752,7 +3754,7 @@
                 <a:solidFill>
                   <a:srgbClr val="FFFFFF"/>
                 </a:solidFill>
-                <a:latin typeface="Arial"/>
+                <a:latin typeface="Corbel"/>
                 <a:cs typeface="Arial"/>
               </a:rPr>
               <a:t> Jain</a:t>
@@ -3761,6 +3763,8 @@
               <a:solidFill>
                 <a:srgbClr val="FFFFFF"/>
               </a:solidFill>
+              <a:latin typeface="Corbel"/>
+              <a:cs typeface="Arial"/>
             </a:endParaRPr>
           </a:p>
           <a:p>
@@ -3770,7 +3774,7 @@
                 <a:solidFill>
                   <a:srgbClr val="FFFFFF"/>
                 </a:solidFill>
-                <a:latin typeface="Arial"/>
+                <a:latin typeface="Corbel"/>
                 <a:cs typeface="Arial"/>
               </a:rPr>
               <a:t>n9539361</a:t>
@@ -3782,7 +3786,7 @@
               <a:solidFill>
                 <a:srgbClr val="FFFFFF"/>
               </a:solidFill>
-              <a:latin typeface="Arial"/>
+              <a:latin typeface="Corbel"/>
               <a:cs typeface="Arial"/>
             </a:endParaRPr>
           </a:p>
@@ -3793,7 +3797,7 @@
                 <a:solidFill>
                   <a:srgbClr val="FFFFFF"/>
                 </a:solidFill>
-                <a:latin typeface="Arial"/>
+                <a:latin typeface="Corbel"/>
                 <a:cs typeface="Arial"/>
               </a:rPr>
               <a:t>Supervisor: Dr. Guido </a:t>
@@ -3803,7 +3807,7 @@
                 <a:solidFill>
                   <a:srgbClr val="FFFFFF"/>
                 </a:solidFill>
-                <a:latin typeface="Arial"/>
+                <a:latin typeface="Corbel"/>
                 <a:cs typeface="Arial"/>
               </a:rPr>
               <a:t>Zuccon</a:t>
@@ -3812,12 +3816,15 @@
               <a:solidFill>
                 <a:srgbClr val="FFFFFF"/>
               </a:solidFill>
-              <a:latin typeface="Arial"/>
+              <a:latin typeface="Corbel"/>
               <a:cs typeface="Arial"/>
             </a:endParaRPr>
           </a:p>
           <a:p>
-            <a:endParaRPr lang="en-US" sz="2000"/>
+            <a:endParaRPr lang="en-US" sz="2000">
+              <a:latin typeface="Corbel"/>
+              <a:cs typeface="Arial"/>
+            </a:endParaRPr>
           </a:p>
         </p:txBody>
       </p:sp>
@@ -3832,7 +3839,7 @@
         <p:spPr>
           <a:xfrm>
             <a:off x="819150" y="3048000"/>
-            <a:ext cx="3972934" cy="369332"/>
+            <a:ext cx="3972934" cy="384721"/>
           </a:xfrm>
           <a:prstGeom prst="rect">
             <a:avLst/>
@@ -3849,11 +3856,11 @@
           <a:p>
             <a:pPr algn="ctr"/>
             <a:r>
-              <a:rPr lang="en-US">
+              <a:rPr lang="en-US" sz="1900">
                 <a:solidFill>
                   <a:srgbClr val="FFFFFF"/>
                 </a:solidFill>
-                <a:latin typeface="Arial"/>
+                <a:latin typeface="Corbel"/>
                 <a:cs typeface="Arial"/>
               </a:rPr>
               <a:t>Data Analysis and Research Project</a:t>
@@ -3909,272 +3916,6 @@
             <a:pPr algn="ctr"/>
             <a:r>
               <a:rPr lang="en-US" b="1"/>
-              <a:t>Exploration Phase</a:t>
-            </a:r>
-          </a:p>
-        </p:txBody>
-      </p:sp>
-      <p:sp>
-        <p:nvSpPr>
-          <p:cNvPr id="3" name="Content Placeholder 2"/>
-          <p:cNvSpPr>
-            <a:spLocks noGrp="1"/>
-          </p:cNvSpPr>
-          <p:nvPr>
-            <p:ph idx="1"/>
-          </p:nvPr>
-        </p:nvSpPr>
-        <p:spPr/>
-        <p:txBody>
-          <a:bodyPr/>
-          <a:lstStyle/>
-          <a:p>
-            <a:pPr>
-              <a:buFont typeface="Arial" pitchFamily="18" charset="2"/>
-              <a:buChar char="•"/>
-            </a:pPr>
-            <a:r>
-              <a:rPr lang="en-US"/>
-              <a:t>Analyzed Length of Messages v/s Number of Texts for each Label</a:t>
-            </a:r>
-          </a:p>
-          <a:p>
-            <a:pPr>
-              <a:buFont typeface="Arial" pitchFamily="18" charset="2"/>
-              <a:buChar char="•"/>
-            </a:pPr>
-            <a:r>
-              <a:rPr lang="en-US"/>
-              <a:t>Manually Selected Differentiating Features of Spam SMS</a:t>
-            </a:r>
-          </a:p>
-          <a:p>
-            <a:pPr lvl="1">
-              <a:spcBef>
-                <a:spcPts val="200"/>
-              </a:spcBef>
-              <a:buFont typeface="Courier New" pitchFamily="18" charset="2"/>
-              <a:buChar char="o"/>
-            </a:pPr>
-            <a:r>
-              <a:rPr lang="en-US"/>
-              <a:t>Verified by Producing Word Cloud for Spam SMS</a:t>
-            </a:r>
-          </a:p>
-          <a:p>
-            <a:pPr lvl="1">
-              <a:spcBef>
-                <a:spcPts val="200"/>
-              </a:spcBef>
-              <a:buFont typeface="Courier New" pitchFamily="18" charset="2"/>
-              <a:buChar char="o"/>
-            </a:pPr>
-            <a:r>
-              <a:rPr lang="en-US"/>
-              <a:t>Visualized Uni-Grams  using Bar-Plots</a:t>
-            </a:r>
-          </a:p>
-          <a:p>
-            <a:pPr lvl="1">
-              <a:spcBef>
-                <a:spcPts val="200"/>
-              </a:spcBef>
-              <a:buFont typeface="Courier New" pitchFamily="18" charset="2"/>
-              <a:buChar char="o"/>
-            </a:pPr>
-            <a:r>
-              <a:rPr lang="en-US"/>
-              <a:t>Visualized Bi-Grams and Tri-Grams using Venn Diagram</a:t>
-            </a:r>
-          </a:p>
-          <a:p>
-            <a:pPr marL="502920" lvl="1" indent="0">
-              <a:spcBef>
-                <a:spcPts val="200"/>
-              </a:spcBef>
-              <a:spcAft>
-                <a:spcPts val="200"/>
-              </a:spcAft>
-              <a:buNone/>
-            </a:pPr>
-            <a:endParaRPr lang="en-US"/>
-          </a:p>
-        </p:txBody>
-      </p:sp>
-      <p:graphicFrame>
-        <p:nvGraphicFramePr>
-          <p:cNvPr id="4" name="Table 4"/>
-          <p:cNvGraphicFramePr>
-            <a:graphicFrameLocks noGrp="1"/>
-          </p:cNvGraphicFramePr>
-          <p:nvPr>
-            <p:extLst>
-              <p:ext uri="{D42A27DB-BD31-4B8C-83A1-F6EECF244321}">
-                <p14:modId xmlns:p14="http://schemas.microsoft.com/office/powerpoint/2010/main" val="3220311637"/>
-              </p:ext>
-            </p:extLst>
-          </p:nvPr>
-        </p:nvGraphicFramePr>
-        <p:xfrm>
-          <a:off x="3590925" y="4695825"/>
-          <a:ext cx="8168640" cy="1010920"/>
-        </p:xfrm>
-        <a:graphic>
-          <a:graphicData uri="http://schemas.openxmlformats.org/drawingml/2006/table">
-            <a:tbl>
-              <a:tblPr firstRow="1" bandRow="1">
-                <a:tableStyleId>{5C22544A-7EE6-4342-B048-85BDC9FD1C3A}</a:tableStyleId>
-              </a:tblPr>
-              <a:tblGrid>
-                <a:gridCol w="4084320">
-                  <a:extLst>
-                    <a:ext uri="{9D8B030D-6E8A-4147-A177-3AD203B41FA5}">
-                      <a16:colId xmlns:a16="http://schemas.microsoft.com/office/drawing/2014/main" val="881908604"/>
-                    </a:ext>
-                  </a:extLst>
-                </a:gridCol>
-                <a:gridCol w="4084320">
-                  <a:extLst>
-                    <a:ext uri="{9D8B030D-6E8A-4147-A177-3AD203B41FA5}">
-                      <a16:colId xmlns:a16="http://schemas.microsoft.com/office/drawing/2014/main" val="1374067938"/>
-                    </a:ext>
-                  </a:extLst>
-                </a:gridCol>
-              </a:tblGrid>
-              <a:tr h="370840">
-                <a:tc>
-                  <a:txBody>
-                    <a:bodyPr/>
-                    <a:lstStyle/>
-                    <a:p>
-                      <a:pPr algn="ctr">
-                        <a:buNone/>
-                      </a:pPr>
-                      <a:r>
-                        <a:rPr lang="en-US">
-                          <a:latin typeface="Arial"/>
-                        </a:rPr>
-                        <a:t>Input</a:t>
-                      </a:r>
-                    </a:p>
-                  </a:txBody>
-                  <a:tcPr/>
-                </a:tc>
-                <a:tc>
-                  <a:txBody>
-                    <a:bodyPr/>
-                    <a:lstStyle/>
-                    <a:p>
-                      <a:pPr algn="ctr">
-                        <a:buNone/>
-                      </a:pPr>
-                      <a:r>
-                        <a:rPr lang="en-US" b="1">
-                          <a:latin typeface="Arial"/>
-                        </a:rPr>
-                        <a:t>Output</a:t>
-                      </a:r>
-                    </a:p>
-                  </a:txBody>
-                  <a:tcPr/>
-                </a:tc>
-                <a:extLst>
-                  <a:ext uri="{0D108BD9-81ED-4DB2-BD59-A6C34878D82A}">
-                    <a16:rowId xmlns:a16="http://schemas.microsoft.com/office/drawing/2014/main" val="302555811"/>
-                  </a:ext>
-                </a:extLst>
-              </a:tr>
-              <a:tr h="370840">
-                <a:tc>
-                  <a:txBody>
-                    <a:bodyPr/>
-                    <a:lstStyle/>
-                    <a:p>
-                      <a:pPr>
-                        <a:buNone/>
-                      </a:pPr>
-                      <a:r>
-                        <a:rPr lang="en-US"/>
-                        <a:t>Clean data</a:t>
-                      </a:r>
-                    </a:p>
-                  </a:txBody>
-                  <a:tcPr/>
-                </a:tc>
-                <a:tc>
-                  <a:txBody>
-                    <a:bodyPr/>
-                    <a:lstStyle/>
-                    <a:p>
-                      <a:pPr>
-                        <a:buNone/>
-                      </a:pPr>
-                      <a:r>
-                        <a:rPr lang="en-US"/>
-                        <a:t>Analysis of features that make a Spam SMS different form a Legitimate SMS</a:t>
-                      </a:r>
-                    </a:p>
-                  </a:txBody>
-                  <a:tcPr/>
-                </a:tc>
-                <a:extLst>
-                  <a:ext uri="{0D108BD9-81ED-4DB2-BD59-A6C34878D82A}">
-                    <a16:rowId xmlns:a16="http://schemas.microsoft.com/office/drawing/2014/main" val="3072619964"/>
-                  </a:ext>
-                </a:extLst>
-              </a:tr>
-            </a:tbl>
-          </a:graphicData>
-        </a:graphic>
-      </p:graphicFrame>
-    </p:spTree>
-    <p:extLst>
-      <p:ext uri="{BB962C8B-B14F-4D97-AF65-F5344CB8AC3E}">
-        <p14:creationId xmlns:p14="http://schemas.microsoft.com/office/powerpoint/2010/main" val="1739067703"/>
-      </p:ext>
-    </p:extLst>
-  </p:cSld>
-  <p:clrMapOvr>
-    <a:masterClrMapping/>
-  </p:clrMapOvr>
-</p:sld>
-</file>
-
-<file path=ppt/slides/slide11.xml><?xml version="1.0" encoding="utf-8"?>
-<p:sld xmlns:a="http://schemas.openxmlformats.org/drawingml/2006/main" xmlns:r="http://schemas.openxmlformats.org/officeDocument/2006/relationships" xmlns:p="http://schemas.openxmlformats.org/presentationml/2006/main">
-  <p:cSld>
-    <p:spTree>
-      <p:nvGrpSpPr>
-        <p:cNvPr id="1" name=""/>
-        <p:cNvGrpSpPr/>
-        <p:nvPr/>
-      </p:nvGrpSpPr>
-      <p:grpSpPr>
-        <a:xfrm>
-          <a:off x="0" y="0"/>
-          <a:ext cx="0" cy="0"/>
-          <a:chOff x="0" y="0"/>
-          <a:chExt cx="0" cy="0"/>
-        </a:xfrm>
-      </p:grpSpPr>
-      <p:sp>
-        <p:nvSpPr>
-          <p:cNvPr id="2" name="Title 1"/>
-          <p:cNvSpPr>
-            <a:spLocks noGrp="1"/>
-          </p:cNvSpPr>
-          <p:nvPr>
-            <p:ph type="title"/>
-          </p:nvPr>
-        </p:nvSpPr>
-        <p:spPr/>
-        <p:txBody>
-          <a:bodyPr/>
-          <a:lstStyle/>
-          <a:p>
-            <a:pPr algn="ctr"/>
-            <a:r>
-              <a:rPr lang="en-US" b="1"/>
               <a:t>Data Preparation</a:t>
             </a:r>
             <a:br>
@@ -4208,7 +3949,12 @@
             <p:ph idx="1"/>
           </p:nvPr>
         </p:nvSpPr>
-        <p:spPr/>
+        <p:spPr>
+          <a:xfrm>
+            <a:off x="3667125" y="390525"/>
+            <a:ext cx="7315200" cy="5120640"/>
+          </a:xfrm>
+        </p:spPr>
         <p:txBody>
           <a:bodyPr/>
           <a:lstStyle/>
@@ -4245,7 +3991,7 @@
             </a:pPr>
             <a:r>
               <a:rPr lang="en-US"/>
-              <a:t>Split the data into a ratio of 7:3: 70% Training Set and 30% Test Set</a:t>
+              <a:t>Split the data into 70% Training Set and 30% Test Set</a:t>
             </a:r>
           </a:p>
           <a:p>
@@ -4271,13 +4017,13 @@
           <p:nvPr>
             <p:extLst>
               <p:ext uri="{D42A27DB-BD31-4B8C-83A1-F6EECF244321}">
-                <p14:modId xmlns:p14="http://schemas.microsoft.com/office/powerpoint/2010/main" val="2917088310"/>
+                <p14:modId xmlns:p14="http://schemas.microsoft.com/office/powerpoint/2010/main" val="1123277627"/>
               </p:ext>
             </p:extLst>
           </p:nvPr>
         </p:nvGraphicFramePr>
         <p:xfrm>
-          <a:off x="3594339" y="4701396"/>
+          <a:off x="3552825" y="3952875"/>
           <a:ext cx="8168640" cy="1010920"/>
         </p:xfrm>
         <a:graphic>
@@ -4401,7 +4147,7 @@
 </p:sld>
 </file>
 
-<file path=ppt/slides/slide12.xml><?xml version="1.0" encoding="utf-8"?>
+<file path=ppt/slides/slide11.xml><?xml version="1.0" encoding="utf-8"?>
 <p:sld xmlns:a="http://schemas.openxmlformats.org/drawingml/2006/main" xmlns:r="http://schemas.openxmlformats.org/officeDocument/2006/relationships" xmlns:p="http://schemas.openxmlformats.org/presentationml/2006/main">
   <p:cSld>
     <p:spTree>
@@ -4471,7 +4217,7 @@
         </p:nvSpPr>
         <p:spPr>
           <a:xfrm>
-            <a:off x="3771900" y="333375"/>
+            <a:off x="3476625" y="771525"/>
             <a:ext cx="7315200" cy="5120640"/>
           </a:xfrm>
         </p:spPr>
@@ -4485,15 +4231,9 @@
                   <a:srgbClr val="595959"/>
                 </a:solidFill>
               </a:rPr>
-              <a:t>Built 4 Different Models for 2 Different Scenarios</a:t>
+              <a:t>Built 4 Different Classifiers for 2 Different Settings</a:t>
             </a:r>
             <a:endParaRPr lang="en-US"/>
-          </a:p>
-          <a:p>
-            <a:r>
-              <a:rPr lang="en-US"/>
-              <a:t>Compared each Model for each Scenario</a:t>
-            </a:r>
           </a:p>
           <a:p>
             <a:pPr marL="0" indent="0">
@@ -4501,7 +4241,108 @@
             </a:pPr>
             <a:r>
               <a:rPr lang="en-US"/>
+              <a:t>Setting 1: Considering all features</a:t>
+            </a:r>
+          </a:p>
+          <a:p>
+            <a:pPr marL="0" indent="0">
+              <a:buNone/>
+            </a:pPr>
+            <a:r>
+              <a:rPr lang="en-US"/>
+              <a:t>Setting 2: Manually engineered features</a:t>
+            </a:r>
+            <a:endParaRPr lang="en-US">
+              <a:solidFill>
+                <a:schemeClr val="tx1"/>
+              </a:solidFill>
+            </a:endParaRPr>
+          </a:p>
+          <a:p>
+            <a:pPr marL="0" indent="0">
+              <a:buNone/>
+            </a:pPr>
+            <a:r>
+              <a:rPr lang="en-US"/>
               <a:t>Classifiers used:</a:t>
+            </a:r>
+          </a:p>
+          <a:p>
+            <a:pPr lvl="1">
+              <a:spcBef>
+                <a:spcPts val="200"/>
+              </a:spcBef>
+              <a:spcAft>
+                <a:spcPts val="200"/>
+              </a:spcAft>
+              <a:buFont typeface="Wingdings 2"/>
+              <a:buChar char=""/>
+            </a:pPr>
+            <a:r>
+              <a:rPr lang="en-US" i="1"/>
+              <a:t>Naïve Bayes</a:t>
+            </a:r>
+            <a:endParaRPr lang="en-US"/>
+          </a:p>
+          <a:p>
+            <a:pPr lvl="1">
+              <a:spcBef>
+                <a:spcPts val="200"/>
+              </a:spcBef>
+              <a:spcAft>
+                <a:spcPts val="200"/>
+              </a:spcAft>
+              <a:buFont typeface="Wingdings 2"/>
+              <a:buChar char=""/>
+            </a:pPr>
+            <a:r>
+              <a:rPr lang="en-US" i="1"/>
+              <a:t>Decision Tree with Random Forest</a:t>
+            </a:r>
+            <a:endParaRPr lang="en-US"/>
+          </a:p>
+          <a:p>
+            <a:pPr lvl="1">
+              <a:spcBef>
+                <a:spcPts val="200"/>
+              </a:spcBef>
+              <a:spcAft>
+                <a:spcPts val="200"/>
+              </a:spcAft>
+              <a:buFont typeface="Wingdings 2"/>
+              <a:buChar char=""/>
+            </a:pPr>
+            <a:r>
+              <a:rPr lang="en-US" i="1"/>
+              <a:t>Logistic Regression</a:t>
+            </a:r>
+            <a:endParaRPr lang="en-US"/>
+          </a:p>
+          <a:p>
+            <a:pPr lvl="1">
+              <a:spcBef>
+                <a:spcPts val="200"/>
+              </a:spcBef>
+              <a:spcAft>
+                <a:spcPts val="200"/>
+              </a:spcAft>
+              <a:buFont typeface="Wingdings 2"/>
+              <a:buChar char=""/>
+            </a:pPr>
+            <a:r>
+              <a:rPr lang="en-US" i="1"/>
+              <a:t>Support Vector Machine</a:t>
+            </a:r>
+            <a:endParaRPr lang="en-US">
+              <a:solidFill>
+                <a:schemeClr val="tx1"/>
+              </a:solidFill>
+            </a:endParaRPr>
+          </a:p>
+          <a:p>
+            <a:r>
+              <a:rPr lang="en-US"/>
+              <a:t>Compared each Classifier for each Scenario</a:t>
             </a:r>
           </a:p>
           <a:p>
@@ -4512,72 +4353,17 @@
               <a:buFont typeface="Courier New" pitchFamily="18" charset="2"/>
               <a:buChar char="o"/>
             </a:pPr>
-            <a:r>
-              <a:rPr lang="en-US"/>
-              <a:t>Decision Tree</a:t>
-            </a:r>
-          </a:p>
-          <a:p>
-            <a:pPr lvl="1">
-              <a:spcBef>
-                <a:spcPts val="200"/>
-              </a:spcBef>
-              <a:buFont typeface="Courier New" pitchFamily="18" charset="2"/>
-              <a:buChar char="o"/>
-            </a:pPr>
-            <a:r>
-              <a:rPr lang="en-US"/>
-              <a:t>Support Vector Machine</a:t>
-            </a:r>
-          </a:p>
-          <a:p>
-            <a:pPr lvl="1">
-              <a:spcBef>
-                <a:spcPts val="200"/>
-              </a:spcBef>
-              <a:buFont typeface="Courier New" pitchFamily="18" charset="2"/>
-              <a:buChar char="o"/>
-            </a:pPr>
-            <a:r>
-              <a:rPr lang="en-US"/>
-              <a:t>Logistic Regression</a:t>
-            </a:r>
-          </a:p>
-          <a:p>
-            <a:pPr lvl="1">
-              <a:spcBef>
-                <a:spcPts val="200"/>
-              </a:spcBef>
-              <a:buFont typeface="Courier New" pitchFamily="18" charset="2"/>
-              <a:buChar char="o"/>
-            </a:pPr>
-            <a:r>
-              <a:rPr lang="en-US"/>
-              <a:t>Naïve Bayes</a:t>
-            </a:r>
+            <a:endParaRPr lang="en-US" i="1">
+              <a:solidFill>
+                <a:srgbClr val="595959"/>
+              </a:solidFill>
+            </a:endParaRPr>
           </a:p>
           <a:p>
             <a:pPr marL="0" indent="0">
               <a:buNone/>
             </a:pPr>
-            <a:r>
-              <a:rPr lang="en-US"/>
-              <a:t>Scenario 1: Modelled for the 'manually selected differentiating features'  of Spam SMS</a:t>
-            </a:r>
-            <a:endParaRPr lang="en-US">
-              <a:solidFill>
-                <a:schemeClr val="tx1"/>
-              </a:solidFill>
-            </a:endParaRPr>
-          </a:p>
-          <a:p>
-            <a:pPr marL="0" indent="0">
-              <a:buNone/>
-            </a:pPr>
-            <a:r>
-              <a:rPr lang="en-US"/>
-              <a:t>Scenario 2: Modelled for 'all the features' of the data</a:t>
-            </a:r>
+            <a:endParaRPr lang="en-US"/>
           </a:p>
           <a:p>
             <a:pPr marL="0" indent="0">
@@ -4753,7 +4539,7 @@
 </p:sld>
 </file>
 
-<file path=ppt/slides/slide13.xml><?xml version="1.0" encoding="utf-8"?>
+<file path=ppt/slides/slide12.xml><?xml version="1.0" encoding="utf-8"?>
 <p:sld xmlns:a="http://schemas.openxmlformats.org/drawingml/2006/main" xmlns:r="http://schemas.openxmlformats.org/officeDocument/2006/relationships" xmlns:p="http://schemas.openxmlformats.org/presentationml/2006/main">
   <p:cSld>
     <p:spTree>
@@ -4786,300 +4572,6 @@
           <a:lstStyle/>
           <a:p>
             <a:pPr algn="ctr"/>
-            <a:r>
-              <a:rPr lang="en-US" b="1"/>
-              <a:t>Reflection</a:t>
-            </a:r>
-            <a:br>
-              <a:rPr lang="en-US">
-                <a:solidFill>
-                  <a:schemeClr val="tx1"/>
-                </a:solidFill>
-                <a:latin typeface="+mj-ea"/>
-                <a:cs typeface="+mj-ea"/>
-              </a:rPr>
-            </a:br>
-            <a:r>
-              <a:rPr lang="en-US" b="1"/>
-              <a:t>Phase</a:t>
-            </a:r>
-            <a:endParaRPr lang="en-US">
-              <a:solidFill>
-                <a:schemeClr val="tx1"/>
-              </a:solidFill>
-            </a:endParaRPr>
-          </a:p>
-        </p:txBody>
-      </p:sp>
-      <p:sp>
-        <p:nvSpPr>
-          <p:cNvPr id="3" name="Content Placeholder 2"/>
-          <p:cNvSpPr>
-            <a:spLocks noGrp="1"/>
-          </p:cNvSpPr>
-          <p:nvPr>
-            <p:ph idx="1"/>
-          </p:nvPr>
-        </p:nvSpPr>
-        <p:spPr>
-          <a:xfrm>
-            <a:off x="3771900" y="333375"/>
-            <a:ext cx="7315200" cy="5120640"/>
-          </a:xfrm>
-        </p:spPr>
-        <p:txBody>
-          <a:bodyPr>
-            <a:normAutofit/>
-          </a:bodyPr>
-          <a:lstStyle/>
-          <a:p>
-            <a:r>
-              <a:rPr lang="en-US">
-                <a:latin typeface="Arial"/>
-                <a:ea typeface="Arial"/>
-                <a:cs typeface="Arial"/>
-              </a:rPr>
-              <a:t>Think Ideas</a:t>
-            </a:r>
-            <a:endParaRPr lang="en-US"/>
-          </a:p>
-          <a:p>
-            <a:r>
-              <a:rPr lang="en-US">
-                <a:latin typeface="Arial"/>
-                <a:ea typeface="Arial"/>
-                <a:cs typeface="Arial"/>
-              </a:rPr>
-              <a:t>Meetings with the Supervisor</a:t>
-            </a:r>
-            <a:endParaRPr lang="en-US">
-              <a:solidFill>
-                <a:schemeClr val="tx1"/>
-              </a:solidFill>
-            </a:endParaRPr>
-          </a:p>
-          <a:p>
-            <a:r>
-              <a:rPr lang="en-US">
-                <a:latin typeface="Arial"/>
-                <a:cs typeface="Arial"/>
-              </a:rPr>
-              <a:t>Communicate Ideas and Observed Output</a:t>
-            </a:r>
-          </a:p>
-          <a:p>
-            <a:endParaRPr lang="en-US">
-              <a:latin typeface="Arial"/>
-              <a:cs typeface="Arial"/>
-            </a:endParaRPr>
-          </a:p>
-        </p:txBody>
-      </p:sp>
-      <p:graphicFrame>
-        <p:nvGraphicFramePr>
-          <p:cNvPr id="5" name="Table 4"/>
-          <p:cNvGraphicFramePr>
-            <a:graphicFrameLocks noGrp="1"/>
-          </p:cNvGraphicFramePr>
-          <p:nvPr>
-            <p:extLst>
-              <p:ext uri="{D42A27DB-BD31-4B8C-83A1-F6EECF244321}">
-                <p14:modId xmlns:p14="http://schemas.microsoft.com/office/powerpoint/2010/main" val="914386584"/>
-              </p:ext>
-            </p:extLst>
-          </p:nvPr>
-        </p:nvGraphicFramePr>
-        <p:xfrm>
-          <a:off x="3533775" y="4276725"/>
-          <a:ext cx="8168640" cy="1579245"/>
-        </p:xfrm>
-        <a:graphic>
-          <a:graphicData uri="http://schemas.openxmlformats.org/drawingml/2006/table">
-            <a:tbl>
-              <a:tblPr firstRow="1" bandRow="1">
-                <a:tableStyleId>{5C22544A-7EE6-4342-B048-85BDC9FD1C3A}</a:tableStyleId>
-              </a:tblPr>
-              <a:tblGrid>
-                <a:gridCol w="4084320">
-                  <a:extLst>
-                    <a:ext uri="{9D8B030D-6E8A-4147-A177-3AD203B41FA5}">
-                      <a16:colId xmlns:a16="http://schemas.microsoft.com/office/drawing/2014/main" val="881908604"/>
-                    </a:ext>
-                  </a:extLst>
-                </a:gridCol>
-                <a:gridCol w="4084320">
-                  <a:extLst>
-                    <a:ext uri="{9D8B030D-6E8A-4147-A177-3AD203B41FA5}">
-                      <a16:colId xmlns:a16="http://schemas.microsoft.com/office/drawing/2014/main" val="1374067938"/>
-                    </a:ext>
-                  </a:extLst>
-                </a:gridCol>
-              </a:tblGrid>
-              <a:tr h="390525">
-                <a:tc>
-                  <a:txBody>
-                    <a:bodyPr/>
-                    <a:lstStyle/>
-                    <a:p>
-                      <a:pPr algn="ctr">
-                        <a:buNone/>
-                      </a:pPr>
-                      <a:r>
-                        <a:rPr lang="en-US">
-                          <a:latin typeface="Arial"/>
-                        </a:rPr>
-                        <a:t>Input</a:t>
-                      </a:r>
-                    </a:p>
-                  </a:txBody>
-                  <a:tcPr/>
-                </a:tc>
-                <a:tc>
-                  <a:txBody>
-                    <a:bodyPr/>
-                    <a:lstStyle/>
-                    <a:p>
-                      <a:pPr algn="ctr">
-                        <a:buNone/>
-                      </a:pPr>
-                      <a:r>
-                        <a:rPr lang="en-US" b="1">
-                          <a:latin typeface="Arial"/>
-                        </a:rPr>
-                        <a:t>Output</a:t>
-                      </a:r>
-                    </a:p>
-                  </a:txBody>
-                  <a:tcPr/>
-                </a:tc>
-                <a:extLst>
-                  <a:ext uri="{0D108BD9-81ED-4DB2-BD59-A6C34878D82A}">
-                    <a16:rowId xmlns:a16="http://schemas.microsoft.com/office/drawing/2014/main" val="302555811"/>
-                  </a:ext>
-                </a:extLst>
-              </a:tr>
-              <a:tr h="370840">
-                <a:tc>
-                  <a:txBody>
-                    <a:bodyPr/>
-                    <a:lstStyle/>
-                    <a:p>
-                      <a:pPr>
-                        <a:buNone/>
-                      </a:pPr>
-                      <a:r>
-                        <a:rPr lang="en-US"/>
-                        <a:t>Output from Exploration Phase</a:t>
-                      </a:r>
-                    </a:p>
-                    <a:p>
-                      <a:pPr lvl="0">
-                        <a:buNone/>
-                      </a:pPr>
-                      <a:endParaRPr lang="en-US"/>
-                    </a:p>
-                    <a:p>
-                      <a:pPr lvl="0">
-                        <a:buNone/>
-                      </a:pPr>
-                      <a:r>
-                        <a:rPr lang="en-US"/>
-                        <a:t>Output from Classification Phase</a:t>
-                      </a:r>
-                    </a:p>
-                  </a:txBody>
-                  <a:tcPr/>
-                </a:tc>
-                <a:tc>
-                  <a:txBody>
-                    <a:bodyPr/>
-                    <a:lstStyle/>
-                    <a:p>
-                      <a:pPr lvl="0" algn="l">
-                        <a:buNone/>
-                      </a:pPr>
-                      <a:r>
-                        <a:rPr lang="en-US"/>
-                        <a:t>Suggestions to make the project better.</a:t>
-                      </a:r>
-                    </a:p>
-                    <a:p>
-                      <a:pPr marL="0" lvl="0" algn="l">
-                        <a:buNone/>
-                      </a:pPr>
-                      <a:br>
-                        <a:rPr lang="en-US"/>
-                      </a:br>
-                      <a:r>
-                        <a:rPr lang="en-US"/>
-                        <a:t>New To-Do List.</a:t>
-                      </a:r>
-                    </a:p>
-                    <a:p>
-                      <a:pPr lvl="0">
-                        <a:buNone/>
-                      </a:pPr>
-                      <a:endParaRPr lang="en-US"/>
-                    </a:p>
-                  </a:txBody>
-                  <a:tcPr/>
-                </a:tc>
-                <a:extLst>
-                  <a:ext uri="{0D108BD9-81ED-4DB2-BD59-A6C34878D82A}">
-                    <a16:rowId xmlns:a16="http://schemas.microsoft.com/office/drawing/2014/main" val="3072619964"/>
-                  </a:ext>
-                </a:extLst>
-              </a:tr>
-            </a:tbl>
-          </a:graphicData>
-        </a:graphic>
-      </p:graphicFrame>
-    </p:spTree>
-    <p:extLst>
-      <p:ext uri="{BB962C8B-B14F-4D97-AF65-F5344CB8AC3E}">
-        <p14:creationId xmlns:p14="http://schemas.microsoft.com/office/powerpoint/2010/main" val="2995172746"/>
-      </p:ext>
-    </p:extLst>
-  </p:cSld>
-  <p:clrMapOvr>
-    <a:masterClrMapping/>
-  </p:clrMapOvr>
-</p:sld>
-</file>
-
-<file path=ppt/slides/slide14.xml><?xml version="1.0" encoding="utf-8"?>
-<p:sld xmlns:a="http://schemas.openxmlformats.org/drawingml/2006/main" xmlns:r="http://schemas.openxmlformats.org/officeDocument/2006/relationships" xmlns:p="http://schemas.openxmlformats.org/presentationml/2006/main">
-  <p:cSld>
-    <p:spTree>
-      <p:nvGrpSpPr>
-        <p:cNvPr id="1" name=""/>
-        <p:cNvGrpSpPr/>
-        <p:nvPr/>
-      </p:nvGrpSpPr>
-      <p:grpSpPr>
-        <a:xfrm>
-          <a:off x="0" y="0"/>
-          <a:ext cx="0" cy="0"/>
-          <a:chOff x="0" y="0"/>
-          <a:chExt cx="0" cy="0"/>
-        </a:xfrm>
-      </p:grpSpPr>
-      <p:sp>
-        <p:nvSpPr>
-          <p:cNvPr id="2" name="Title 1"/>
-          <p:cNvSpPr>
-            <a:spLocks noGrp="1"/>
-          </p:cNvSpPr>
-          <p:nvPr>
-            <p:ph type="title"/>
-          </p:nvPr>
-        </p:nvSpPr>
-        <p:spPr/>
-        <p:txBody>
-          <a:bodyPr/>
-          <a:lstStyle/>
-          <a:p>
-            <a:pPr algn="ctr"/>
             <a:br>
               <a:rPr lang="en-US">
                 <a:solidFill>
@@ -5153,7 +4645,7 @@
           <p:nvPr>
             <p:extLst>
               <p:ext uri="{D42A27DB-BD31-4B8C-83A1-F6EECF244321}">
-                <p14:modId xmlns:p14="http://schemas.microsoft.com/office/powerpoint/2010/main" val="5895445"/>
+                <p14:modId xmlns:p14="http://schemas.microsoft.com/office/powerpoint/2010/main" val="2693630313"/>
               </p:ext>
             </p:extLst>
           </p:nvPr>
@@ -5256,21 +4748,6 @@
                         <a:t>Output from Classification Phase</a:t>
                       </a:r>
                     </a:p>
-                    <a:p>
-                      <a:pPr lvl="0">
-                        <a:buNone/>
-                      </a:pPr>
-                      <a:endParaRPr lang="en-US"/>
-                    </a:p>
-                    <a:p>
-                      <a:pPr lvl="0">
-                        <a:buNone/>
-                      </a:pPr>
-                      <a:r>
-                        <a:rPr lang="en-US"/>
-                        <a:t>Output from Reflection Phase</a:t>
-                      </a:r>
-                    </a:p>
                   </a:txBody>
                   <a:tcPr/>
                 </a:tc>
@@ -5358,7 +4835,7 @@
 </p:sld>
 </file>
 
-<file path=ppt/slides/slide15.xml><?xml version="1.0" encoding="utf-8"?>
+<file path=ppt/slides/slide13.xml><?xml version="1.0" encoding="utf-8"?>
 <p:sld xmlns:a="http://schemas.openxmlformats.org/drawingml/2006/main" xmlns:r="http://schemas.openxmlformats.org/officeDocument/2006/relationships" xmlns:p="http://schemas.openxmlformats.org/presentationml/2006/main">
   <p:cSld>
     <p:spTree>
@@ -5410,36 +4887,83 @@
         </p:nvSpPr>
         <p:spPr/>
         <p:txBody>
-          <a:bodyPr/>
+          <a:bodyPr>
+            <a:normAutofit lnSpcReduction="10000"/>
+          </a:bodyPr>
           <a:lstStyle/>
           <a:p>
-            <a:endParaRPr lang="en-US" sz="2200" i="1">
+            <a:endParaRPr lang="en-US" sz="2400" i="1">
               <a:latin typeface="Arial"/>
               <a:cs typeface="Arial"/>
             </a:endParaRPr>
           </a:p>
           <a:p>
-            <a:endParaRPr lang="en-US" sz="2200" i="1">
+            <a:endParaRPr lang="en-US" sz="2400" i="1">
               <a:latin typeface="Arial"/>
               <a:cs typeface="Arial"/>
             </a:endParaRPr>
           </a:p>
           <a:p>
-            <a:endParaRPr lang="en-US" sz="2200" i="1">
+            <a:endParaRPr lang="en-US" sz="2400" i="1">
               <a:latin typeface="Arial"/>
               <a:cs typeface="Arial"/>
             </a:endParaRPr>
           </a:p>
           <a:p>
-            <a:r>
-              <a:rPr lang="en-US" sz="2200" i="1">
-                <a:latin typeface="Arial"/>
+            <a:pPr marL="0" indent="0" algn="ctr">
+              <a:buNone/>
+            </a:pPr>
+            <a:endParaRPr lang="en-US" sz="2400" b="1">
+              <a:latin typeface="Corbel"/>
+              <a:cs typeface="Arial"/>
+            </a:endParaRPr>
+          </a:p>
+          <a:p>
+            <a:pPr marL="0" indent="0" algn="ctr">
+              <a:buNone/>
+            </a:pPr>
+            <a:r>
+              <a:rPr lang="en-US" sz="2400" b="1">
+                <a:latin typeface="Corbel"/>
+                <a:cs typeface="Arial"/>
+              </a:rPr>
+              <a:t>Exploration Phase</a:t>
+            </a:r>
+            <a:endParaRPr lang="en-US" sz="2400">
+              <a:solidFill>
+                <a:schemeClr val="tx1"/>
+              </a:solidFill>
+              <a:latin typeface="Corbel"/>
+            </a:endParaRPr>
+          </a:p>
+          <a:p>
+            <a:endParaRPr lang="en-US" sz="2400" i="1">
+              <a:latin typeface="Corbel"/>
+              <a:cs typeface="Arial"/>
+            </a:endParaRPr>
+          </a:p>
+          <a:p>
+            <a:pPr marL="0" indent="0">
+              <a:buNone/>
+            </a:pPr>
+            <a:r>
+              <a:rPr lang="en-US" sz="2400">
+                <a:latin typeface="Corbel"/>
                 <a:cs typeface="Arial"/>
               </a:rPr>
               <a:t>Analyze the data to understand the differentiating features of Spam SMS.</a:t>
             </a:r>
-            <a:endParaRPr lang="en-US" sz="2200">
-              <a:latin typeface="Arial"/>
+            <a:endParaRPr lang="en-US" sz="2200" i="1">
+              <a:latin typeface="Corbel"/>
+              <a:cs typeface="Arial"/>
+            </a:endParaRPr>
+          </a:p>
+          <a:p>
+            <a:pPr marL="0" indent="0">
+              <a:buNone/>
+            </a:pPr>
+            <a:endParaRPr lang="en-US" sz="2400">
+              <a:latin typeface="Corbel"/>
               <a:cs typeface="Arial"/>
             </a:endParaRPr>
           </a:p>
@@ -5450,14 +4974,14 @@
               </a:spcBef>
             </a:pPr>
             <a:r>
-              <a:rPr lang="en-US" sz="2000">
-                <a:latin typeface="Arial"/>
+              <a:rPr lang="en-US" sz="2200">
+                <a:latin typeface="Corbel"/>
                 <a:cs typeface="Arial"/>
               </a:rPr>
-              <a:t>Explored Length of Messages</a:t>
-            </a:r>
-            <a:endParaRPr lang="en-US" sz="2000" i="1">
-              <a:latin typeface="Arial"/>
+              <a:t>Explored Length of Message.</a:t>
+            </a:r>
+            <a:endParaRPr lang="en-US" sz="2200" i="1">
+              <a:latin typeface="Corbel"/>
               <a:cs typeface="Arial"/>
             </a:endParaRPr>
           </a:p>
@@ -5468,12 +4992,16 @@
               </a:spcBef>
             </a:pPr>
             <a:r>
-              <a:rPr lang="en-US" sz="2000">
-                <a:latin typeface="Arial"/>
+              <a:rPr lang="en-US" sz="2200">
+                <a:latin typeface="Corbel"/>
                 <a:cs typeface="Arial"/>
               </a:rPr>
-              <a:t>Explored words that occur most frequently in Spam SMS.</a:t>
-            </a:r>
+              <a:t> Explored words that occur most frequently in   Spam SMS.</a:t>
+            </a:r>
+            <a:endParaRPr lang="en-US" sz="2200" i="1">
+              <a:latin typeface="Corbel"/>
+              <a:cs typeface="Arial"/>
+            </a:endParaRPr>
           </a:p>
           <a:p>
             <a:pPr lvl="1">
@@ -5484,7 +5012,7 @@
                 <a:spcPts val="200"/>
               </a:spcAft>
             </a:pPr>
-            <a:endParaRPr lang="en-US" sz="2000">
+            <a:endParaRPr lang="en-US" sz="2400">
               <a:latin typeface="Arial"/>
               <a:cs typeface="Arial"/>
             </a:endParaRPr>
@@ -5498,7 +5026,7 @@
                 <a:spcPts val="200"/>
               </a:spcAft>
             </a:pPr>
-            <a:endParaRPr lang="en-US"/>
+            <a:endParaRPr lang="en-US" sz="2400"/>
           </a:p>
           <a:p>
             <a:pPr lvl="1">
@@ -5509,7 +5037,7 @@
                 <a:spcPts val="200"/>
               </a:spcAft>
             </a:pPr>
-            <a:endParaRPr lang="en-US"/>
+            <a:endParaRPr lang="en-US" sz="2400"/>
           </a:p>
           <a:p>
             <a:pPr lvl="1">
@@ -5520,7 +5048,7 @@
                 <a:spcPts val="200"/>
               </a:spcAft>
             </a:pPr>
-            <a:endParaRPr lang="en-US"/>
+            <a:endParaRPr lang="en-US" sz="2400"/>
           </a:p>
           <a:p>
             <a:pPr lvl="2">
@@ -5531,10 +5059,10 @@
                 <a:spcPts val="200"/>
               </a:spcAft>
             </a:pPr>
-            <a:endParaRPr lang="en-US" i="1"/>
-          </a:p>
-          <a:p>
-            <a:endParaRPr lang="en-US"/>
+            <a:endParaRPr lang="en-US" sz="2400" i="1"/>
+          </a:p>
+          <a:p>
+            <a:endParaRPr lang="en-US" sz="2400"/>
           </a:p>
         </p:txBody>
       </p:sp>
@@ -5551,7 +5079,7 @@
 </p:sld>
 </file>
 
-<file path=ppt/slides/slide16.xml><?xml version="1.0" encoding="utf-8"?>
+<file path=ppt/slides/slide14.xml><?xml version="1.0" encoding="utf-8"?>
 <p:sld xmlns:a="http://schemas.openxmlformats.org/drawingml/2006/main" xmlns:r="http://schemas.openxmlformats.org/officeDocument/2006/relationships" xmlns:p="http://schemas.openxmlformats.org/presentationml/2006/main">
   <p:cSld>
     <p:spTree>
@@ -5913,7 +5441,7 @@
 </p:sld>
 </file>
 
-<file path=ppt/slides/slide17.xml><?xml version="1.0" encoding="utf-8"?>
+<file path=ppt/slides/slide15.xml><?xml version="1.0" encoding="utf-8"?>
 <p:sld xmlns:a="http://schemas.openxmlformats.org/drawingml/2006/main" xmlns:r="http://schemas.openxmlformats.org/officeDocument/2006/relationships" xmlns:p="http://schemas.openxmlformats.org/presentationml/2006/main">
   <p:cSld>
     <p:spTree>
@@ -5984,29 +5512,6 @@
           </a:fontRef>
         </p:style>
       </p:sp>
-      <p:pic>
-        <p:nvPicPr>
-          <p:cNvPr id="4" name="Picture 4"/>
-          <p:cNvPicPr>
-            <a:picLocks noChangeAspect="1"/>
-          </p:cNvPicPr>
-          <p:nvPr/>
-        </p:nvPicPr>
-        <p:blipFill rotWithShape="1">
-          <a:blip r:embed="rId2"/>
-          <a:srcRect r="20281" b="1"/>
-          <a:stretch/>
-        </p:blipFill>
-        <p:spPr>
-          <a:xfrm>
-            <a:off x="423331" y="758952"/>
-            <a:ext cx="5535397" cy="4287610"/>
-          </a:xfrm>
-          <a:prstGeom prst="rect">
-            <a:avLst/>
-          </a:prstGeom>
-        </p:spPr>
-      </p:pic>
       <p:sp>
         <p:nvSpPr>
           <p:cNvPr id="11" name="Rectangle 10">
@@ -6061,29 +5566,6 @@
           </a:fontRef>
         </p:style>
       </p:sp>
-      <p:pic>
-        <p:nvPicPr>
-          <p:cNvPr id="2" name="Picture 2"/>
-          <p:cNvPicPr>
-            <a:picLocks noChangeAspect="1"/>
-          </p:cNvPicPr>
-          <p:nvPr/>
-        </p:nvPicPr>
-        <p:blipFill rotWithShape="1">
-          <a:blip r:embed="rId3"/>
-          <a:srcRect l="14968" r="5312" b="1"/>
-          <a:stretch/>
-        </p:blipFill>
-        <p:spPr>
-          <a:xfrm>
-            <a:off x="6119594" y="1802294"/>
-            <a:ext cx="5535397" cy="4287610"/>
-          </a:xfrm>
-          <a:prstGeom prst="rect">
-            <a:avLst/>
-          </a:prstGeom>
-        </p:spPr>
-      </p:pic>
       <p:sp>
         <p:nvSpPr>
           <p:cNvPr id="13" name="Rectangle 12">
@@ -6262,6 +5744,54 @@
           </a:p>
         </p:txBody>
       </p:sp>
+      <p:pic>
+        <p:nvPicPr>
+          <p:cNvPr id="6" name="Picture 6"/>
+          <p:cNvPicPr>
+            <a:picLocks noChangeAspect="1"/>
+          </p:cNvPicPr>
+          <p:nvPr/>
+        </p:nvPicPr>
+        <p:blipFill>
+          <a:blip r:embed="rId2"/>
+          <a:stretch>
+            <a:fillRect/>
+          </a:stretch>
+        </p:blipFill>
+        <p:spPr>
+          <a:xfrm>
+            <a:off x="6022975" y="1575639"/>
+            <a:ext cx="5743575" cy="4517186"/>
+          </a:xfrm>
+          <a:prstGeom prst="rect">
+            <a:avLst/>
+          </a:prstGeom>
+        </p:spPr>
+      </p:pic>
+      <p:pic>
+        <p:nvPicPr>
+          <p:cNvPr id="2" name="Picture 3"/>
+          <p:cNvPicPr>
+            <a:picLocks noChangeAspect="1"/>
+          </p:cNvPicPr>
+          <p:nvPr/>
+        </p:nvPicPr>
+        <p:blipFill>
+          <a:blip r:embed="rId3"/>
+          <a:stretch>
+            <a:fillRect/>
+          </a:stretch>
+        </p:blipFill>
+        <p:spPr>
+          <a:xfrm>
+            <a:off x="361667" y="708140"/>
+            <a:ext cx="5758146" cy="4590935"/>
+          </a:xfrm>
+          <a:prstGeom prst="rect">
+            <a:avLst/>
+          </a:prstGeom>
+        </p:spPr>
+      </p:pic>
     </p:spTree>
     <p:extLst>
       <p:ext uri="{BB962C8B-B14F-4D97-AF65-F5344CB8AC3E}">
@@ -6275,7 +5805,7 @@
 </p:sld>
 </file>
 
-<file path=ppt/slides/slide18.xml><?xml version="1.0" encoding="utf-8"?>
+<file path=ppt/slides/slide16.xml><?xml version="1.0" encoding="utf-8"?>
 <p:sld xmlns:a="http://schemas.openxmlformats.org/drawingml/2006/main" xmlns:r="http://schemas.openxmlformats.org/officeDocument/2006/relationships" xmlns:p="http://schemas.openxmlformats.org/presentationml/2006/main">
   <p:cSld>
     <p:spTree>
@@ -6332,7 +5862,9 @@
         </p:nvSpPr>
         <p:spPr/>
         <p:txBody>
-          <a:bodyPr/>
+          <a:bodyPr>
+            <a:normAutofit lnSpcReduction="10000"/>
+          </a:bodyPr>
           <a:lstStyle/>
           <a:p>
             <a:pPr marL="502920" lvl="1" indent="0">
@@ -6345,6 +5877,38 @@
               <a:buNone/>
             </a:pPr>
             <a:endParaRPr lang="en-US" sz="2200"/>
+          </a:p>
+          <a:p>
+            <a:pPr lvl="1">
+              <a:spcBef>
+                <a:spcPts val="200"/>
+              </a:spcBef>
+              <a:spcAft>
+                <a:spcPts val="200"/>
+              </a:spcAft>
+            </a:pPr>
+            <a:endParaRPr lang="en-US" sz="2200" b="1" i="1">
+              <a:latin typeface="Arial"/>
+              <a:cs typeface="Arial"/>
+            </a:endParaRPr>
+          </a:p>
+          <a:p>
+            <a:pPr marL="502920" lvl="1" indent="0" algn="ctr">
+              <a:spcBef>
+                <a:spcPts val="200"/>
+              </a:spcBef>
+              <a:spcAft>
+                <a:spcPts val="200"/>
+              </a:spcAft>
+              <a:buNone/>
+            </a:pPr>
+            <a:r>
+              <a:rPr lang="en-US" sz="2200" b="1">
+                <a:latin typeface="Corbel"/>
+                <a:cs typeface="Arial"/>
+              </a:rPr>
+              <a:t>Classification Phase</a:t>
+            </a:r>
           </a:p>
           <a:p>
             <a:pPr lvl="1">
@@ -6369,31 +5933,42 @@
                 <a:spcPts val="200"/>
               </a:spcAft>
             </a:pPr>
-            <a:endParaRPr lang="en-US" sz="2200" i="1">
-              <a:latin typeface="Arial"/>
-              <a:cs typeface="Arial"/>
+            <a:r>
+              <a:rPr lang="en-US" sz="2200">
+                <a:latin typeface="Corbel"/>
+                <a:cs typeface="Arial"/>
+              </a:rPr>
+              <a:t>Build a predictive model which can accurately predict if an SMS is a Legitimate SMS or a Spam SMS</a:t>
+            </a:r>
+            <a:r>
+              <a:rPr lang="en-US" sz="2200">
+                <a:solidFill>
+                  <a:srgbClr val="595959"/>
+                </a:solidFill>
+                <a:latin typeface="Corbel"/>
+              </a:rPr>
+              <a:t>.</a:t>
+            </a:r>
+            <a:endParaRPr lang="en-US">
+              <a:solidFill>
+                <a:schemeClr val="tx1"/>
+              </a:solidFill>
+              <a:latin typeface="Corbel"/>
             </a:endParaRPr>
           </a:p>
           <a:p>
-            <a:pPr lvl="1">
+            <a:pPr marL="502920" lvl="1" indent="0">
               <a:spcBef>
                 <a:spcPts val="200"/>
               </a:spcBef>
               <a:spcAft>
                 <a:spcPts val="200"/>
               </a:spcAft>
+              <a:buNone/>
             </a:pPr>
-            <a:r>
-              <a:rPr lang="en-US" sz="2200" i="1">
-                <a:latin typeface="Arial"/>
-                <a:cs typeface="Arial"/>
-              </a:rPr>
-              <a:t>Build a predictive model which can accurately predict if an SMS is a Legitimate SMS or a Spam SMS</a:t>
-            </a:r>
-            <a:endParaRPr lang="en-US">
-              <a:solidFill>
-                <a:schemeClr val="tx1"/>
-              </a:solidFill>
+            <a:endParaRPr lang="en-US" sz="2200">
+              <a:latin typeface="Corbel"/>
+              <a:cs typeface="Arial"/>
             </a:endParaRPr>
           </a:p>
           <a:p>
@@ -6404,10 +5979,12 @@
               <a:spcAft>
                 <a:spcPts val="200"/>
               </a:spcAft>
+              <a:buFont typeface="Courier New" pitchFamily="18" charset="2"/>
+              <a:buChar char="o"/>
             </a:pPr>
             <a:r>
-              <a:rPr lang="en-US" sz="2000" i="1">
-                <a:latin typeface="Arial"/>
+              <a:rPr lang="en-US" sz="2000">
+                <a:latin typeface="Corbel"/>
                 <a:cs typeface="Arial"/>
               </a:rPr>
               <a:t>Built 4 models using different classifiers:</a:t>
@@ -6421,14 +5998,23 @@
               <a:spcAft>
                 <a:spcPts val="200"/>
               </a:spcAft>
+              <a:buFont typeface="Wingdings" pitchFamily="18" charset="2"/>
+              <a:buChar char="Ø"/>
             </a:pPr>
             <a:r>
-              <a:rPr lang="en-US" sz="1800" i="1">
-                <a:latin typeface="Arial"/>
+              <a:rPr lang="en-US" sz="1800">
+                <a:latin typeface="Corbel"/>
                 <a:cs typeface="Arial"/>
               </a:rPr>
-              <a:t>Decision Tree with Random Forest</a:t>
-            </a:r>
+              <a:t>Naïve Bayes</a:t>
+            </a:r>
+            <a:endParaRPr lang="en-US" sz="1800">
+              <a:solidFill>
+                <a:srgbClr val="595959"/>
+              </a:solidFill>
+              <a:latin typeface="Corbel"/>
+              <a:cs typeface="Arial"/>
+            </a:endParaRPr>
           </a:p>
           <a:p>
             <a:pPr lvl="3">
@@ -6438,14 +6024,22 @@
               <a:spcAft>
                 <a:spcPts val="200"/>
               </a:spcAft>
+              <a:buFont typeface="Wingdings" pitchFamily="18" charset="2"/>
+              <a:buChar char="Ø"/>
             </a:pPr>
             <a:r>
-              <a:rPr lang="en-US" sz="1800" i="1">
-                <a:latin typeface="Arial"/>
+              <a:rPr lang="en-US" sz="1800">
+                <a:latin typeface="Corbel"/>
                 <a:cs typeface="Arial"/>
               </a:rPr>
-              <a:t>Support Vector Machine</a:t>
-            </a:r>
+              <a:t>Decision Tree with Random Forest</a:t>
+            </a:r>
+            <a:endParaRPr lang="en-US">
+              <a:solidFill>
+                <a:schemeClr val="tx1"/>
+              </a:solidFill>
+              <a:latin typeface="Corbel"/>
+            </a:endParaRPr>
           </a:p>
           <a:p>
             <a:pPr lvl="3">
@@ -6455,10 +6049,12 @@
               <a:spcAft>
                 <a:spcPts val="200"/>
               </a:spcAft>
+              <a:buFont typeface="Wingdings" pitchFamily="18" charset="2"/>
+              <a:buChar char="Ø"/>
             </a:pPr>
             <a:r>
-              <a:rPr lang="en-US" sz="1800" i="1">
-                <a:latin typeface="Arial"/>
+              <a:rPr lang="en-US" sz="1800">
+                <a:latin typeface="Corbel"/>
                 <a:cs typeface="Arial"/>
               </a:rPr>
               <a:t>Logistic Regression</a:t>
@@ -6472,14 +6068,32 @@
               <a:spcAft>
                 <a:spcPts val="200"/>
               </a:spcAft>
+              <a:buFont typeface="Wingdings" pitchFamily="18" charset="2"/>
+              <a:buChar char="Ø"/>
             </a:pPr>
             <a:r>
-              <a:rPr lang="en-US" sz="1800" i="1">
-                <a:latin typeface="Arial"/>
+              <a:rPr lang="en-US" sz="1800">
+                <a:latin typeface="Corbel"/>
                 <a:cs typeface="Arial"/>
               </a:rPr>
-              <a:t>Naïve Bayes</a:t>
-            </a:r>
+              <a:t>Support Vector Machine</a:t>
+            </a:r>
+          </a:p>
+          <a:p>
+            <a:pPr lvl="3">
+              <a:spcBef>
+                <a:spcPts val="200"/>
+              </a:spcBef>
+              <a:spcAft>
+                <a:spcPts val="200"/>
+              </a:spcAft>
+              <a:buFont typeface="Courier New" pitchFamily="18" charset="2"/>
+              <a:buChar char="o"/>
+            </a:pPr>
+            <a:endParaRPr lang="en-US" sz="1800">
+              <a:latin typeface="Corbel"/>
+              <a:cs typeface="Arial"/>
+            </a:endParaRPr>
           </a:p>
           <a:p>
             <a:pPr lvl="2">
@@ -6489,13 +6103,15 @@
               <a:spcAft>
                 <a:spcPts val="200"/>
               </a:spcAft>
+              <a:buFont typeface="Courier New" pitchFamily="18" charset="2"/>
+              <a:buChar char="o"/>
             </a:pPr>
             <a:r>
-              <a:rPr lang="en-US" sz="2000" i="1">
-                <a:latin typeface="Arial"/>
+              <a:rPr lang="en-US" sz="2000">
+                <a:latin typeface="Corbel"/>
                 <a:cs typeface="Arial"/>
               </a:rPr>
-              <a:t>Built on two types of data:</a:t>
+              <a:t>Built on two types of settings:</a:t>
             </a:r>
           </a:p>
           <a:p>
@@ -6503,16 +6119,15 @@
               <a:spcBef>
                 <a:spcPts val="200"/>
               </a:spcBef>
-              <a:spcAft>
-                <a:spcPts val="200"/>
-              </a:spcAft>
+              <a:buFont typeface="Wingdings" pitchFamily="18" charset="2"/>
+              <a:buChar char="Ø"/>
             </a:pPr>
             <a:r>
-              <a:rPr lang="en-US" sz="1800" i="1">
-                <a:latin typeface="Arial"/>
+              <a:rPr lang="en-US" sz="1800">
+                <a:latin typeface="Corbel"/>
                 <a:cs typeface="Arial"/>
               </a:rPr>
-              <a:t>Manually explored and selected 6  most important features of the Spam SMS</a:t>
+              <a:t>Considering all features</a:t>
             </a:r>
           </a:p>
           <a:p>
@@ -6520,17 +6135,22 @@
               <a:spcBef>
                 <a:spcPts val="200"/>
               </a:spcBef>
-              <a:spcAft>
-                <a:spcPts val="200"/>
-              </a:spcAft>
+              <a:buFont typeface="Wingdings"/>
+              <a:buChar char="Ø"/>
             </a:pPr>
             <a:r>
-              <a:rPr lang="en-US" sz="1800" i="1">
-                <a:latin typeface="Arial"/>
+              <a:rPr lang="en-US" sz="1800">
+                <a:latin typeface="Corbel"/>
                 <a:cs typeface="Arial"/>
               </a:rPr>
-              <a:t>All features of the data</a:t>
-            </a:r>
+              <a:t>Manually engineered features</a:t>
+            </a:r>
+            <a:endParaRPr lang="en-US" sz="1800">
+              <a:solidFill>
+                <a:schemeClr val="tx1"/>
+              </a:solidFill>
+              <a:latin typeface="Corbel"/>
+            </a:endParaRPr>
           </a:p>
           <a:p>
             <a:pPr marL="1417320" lvl="3" indent="0">
@@ -6584,7 +6204,7 @@
 </p:sld>
 </file>
 
-<file path=ppt/slides/slide19.xml><?xml version="1.0" encoding="utf-8"?>
+<file path=ppt/slides/slide17.xml><?xml version="1.0" encoding="utf-8"?>
 <p:sld xmlns:a="http://schemas.openxmlformats.org/drawingml/2006/main" xmlns:r="http://schemas.openxmlformats.org/officeDocument/2006/relationships" xmlns:p="http://schemas.openxmlformats.org/presentationml/2006/main">
   <p:cSld>
     <p:spTree>
@@ -6797,6 +6417,84 @@
       </p:sp>
       <p:pic>
         <p:nvPicPr>
+          <p:cNvPr id="3" name="Picture 3"/>
+          <p:cNvPicPr>
+            <a:picLocks noChangeAspect="1"/>
+          </p:cNvPicPr>
+          <p:nvPr/>
+        </p:nvPicPr>
+        <p:blipFill>
+          <a:blip r:embed="rId2"/>
+          <a:stretch>
+            <a:fillRect/>
+          </a:stretch>
+        </p:blipFill>
+        <p:spPr>
+          <a:xfrm>
+            <a:off x="0" y="155575"/>
+            <a:ext cx="10097849" cy="2591122"/>
+          </a:xfrm>
+          <a:prstGeom prst="rect">
+            <a:avLst/>
+          </a:prstGeom>
+        </p:spPr>
+      </p:pic>
+      <p:pic>
+        <p:nvPicPr>
+          <p:cNvPr id="5" name="Picture 5"/>
+          <p:cNvPicPr>
+            <a:picLocks noChangeAspect="1"/>
+          </p:cNvPicPr>
+          <p:nvPr/>
+        </p:nvPicPr>
+        <p:blipFill>
+          <a:blip r:embed="rId3"/>
+          <a:stretch>
+            <a:fillRect/>
+          </a:stretch>
+        </p:blipFill>
+        <p:spPr>
+          <a:xfrm>
+            <a:off x="2114550" y="4143375"/>
+            <a:ext cx="10132480" cy="2552316"/>
+          </a:xfrm>
+          <a:prstGeom prst="rect">
+            <a:avLst/>
+          </a:prstGeom>
+        </p:spPr>
+      </p:pic>
+    </p:spTree>
+    <p:extLst>
+      <p:ext uri="{BB962C8B-B14F-4D97-AF65-F5344CB8AC3E}">
+        <p14:creationId xmlns:p14="http://schemas.microsoft.com/office/powerpoint/2010/main" val="2853981594"/>
+      </p:ext>
+    </p:extLst>
+  </p:cSld>
+  <p:clrMapOvr>
+    <a:masterClrMapping/>
+  </p:clrMapOvr>
+</p:sld>
+</file>
+
+<file path=ppt/slides/slide18.xml><?xml version="1.0" encoding="utf-8"?>
+<p:sld xmlns:a="http://schemas.openxmlformats.org/drawingml/2006/main" xmlns:r="http://schemas.openxmlformats.org/officeDocument/2006/relationships" xmlns:p="http://schemas.openxmlformats.org/presentationml/2006/main">
+  <p:cSld>
+    <p:spTree>
+      <p:nvGrpSpPr>
+        <p:cNvPr id="1" name=""/>
+        <p:cNvGrpSpPr/>
+        <p:nvPr/>
+      </p:nvGrpSpPr>
+      <p:grpSpPr>
+        <a:xfrm>
+          <a:off x="0" y="0"/>
+          <a:ext cx="0" cy="0"/>
+          <a:chOff x="0" y="0"/>
+          <a:chExt cx="0" cy="0"/>
+        </a:xfrm>
+      </p:grpSpPr>
+      <p:pic>
+        <p:nvPicPr>
           <p:cNvPr id="6" name="Picture 6"/>
           <p:cNvPicPr>
             <a:picLocks noChangeAspect="1"/>
@@ -6811,8 +6509,8 @@
         </p:blipFill>
         <p:spPr>
           <a:xfrm>
-            <a:off x="0" y="0"/>
-            <a:ext cx="8148539" cy="2025229"/>
+            <a:off x="2170981" y="3943350"/>
+            <a:ext cx="10022637" cy="2475950"/>
           </a:xfrm>
           <a:prstGeom prst="rect">
             <a:avLst/>
@@ -6821,7 +6519,7 @@
       </p:pic>
       <p:pic>
         <p:nvPicPr>
-          <p:cNvPr id="8" name="Picture 9"/>
+          <p:cNvPr id="8" name="Picture 8"/>
           <p:cNvPicPr>
             <a:picLocks noChangeAspect="1"/>
           </p:cNvPicPr>
@@ -6835,8 +6533,8 @@
         </p:blipFill>
         <p:spPr>
           <a:xfrm>
-            <a:off x="4597624" y="3381375"/>
-            <a:ext cx="7597119" cy="1943746"/>
+            <a:off x="-28575" y="219075"/>
+            <a:ext cx="10067925" cy="2705100"/>
           </a:xfrm>
           <a:prstGeom prst="rect">
             <a:avLst/>
@@ -6846,7 +6544,204 @@
     </p:spTree>
     <p:extLst>
       <p:ext uri="{BB962C8B-B14F-4D97-AF65-F5344CB8AC3E}">
-        <p14:creationId xmlns:p14="http://schemas.microsoft.com/office/powerpoint/2010/main" val="2853981594"/>
+        <p14:creationId xmlns:p14="http://schemas.microsoft.com/office/powerpoint/2010/main" val="2194715843"/>
+      </p:ext>
+    </p:extLst>
+  </p:cSld>
+  <p:clrMapOvr>
+    <a:masterClrMapping/>
+  </p:clrMapOvr>
+</p:sld>
+</file>
+
+<file path=ppt/slides/slide19.xml><?xml version="1.0" encoding="utf-8"?>
+<p:sld xmlns:a="http://schemas.openxmlformats.org/drawingml/2006/main" xmlns:r="http://schemas.openxmlformats.org/officeDocument/2006/relationships" xmlns:p="http://schemas.openxmlformats.org/presentationml/2006/main">
+  <p:cSld>
+    <p:spTree>
+      <p:nvGrpSpPr>
+        <p:cNvPr id="1" name=""/>
+        <p:cNvGrpSpPr/>
+        <p:nvPr/>
+      </p:nvGrpSpPr>
+      <p:grpSpPr>
+        <a:xfrm>
+          <a:off x="0" y="0"/>
+          <a:ext cx="0" cy="0"/>
+          <a:chOff x="0" y="0"/>
+          <a:chExt cx="0" cy="0"/>
+        </a:xfrm>
+      </p:grpSpPr>
+      <p:sp>
+        <p:nvSpPr>
+          <p:cNvPr id="2" name="Title 1"/>
+          <p:cNvSpPr>
+            <a:spLocks noGrp="1"/>
+          </p:cNvSpPr>
+          <p:nvPr>
+            <p:ph type="title"/>
+          </p:nvPr>
+        </p:nvSpPr>
+        <p:spPr/>
+        <p:txBody>
+          <a:bodyPr/>
+          <a:lstStyle/>
+          <a:p>
+            <a:pPr algn="ctr"/>
+            <a:br>
+              <a:rPr lang="en-US">
+                <a:solidFill>
+                  <a:schemeClr val="tx1"/>
+                </a:solidFill>
+              </a:rPr>
+            </a:br>
+            <a:br>
+              <a:rPr lang="en-US">
+                <a:solidFill>
+                  <a:schemeClr val="tx1"/>
+                </a:solidFill>
+              </a:rPr>
+            </a:br>
+            <a:r>
+              <a:rPr lang="en-US" b="1"/>
+              <a:t>Implications of </a:t>
+            </a:r>
+            <a:br>
+              <a:rPr lang="en-US">
+                <a:solidFill>
+                  <a:schemeClr val="tx1"/>
+                </a:solidFill>
+              </a:rPr>
+            </a:br>
+            <a:r>
+              <a:rPr lang="en-US" b="1"/>
+              <a:t>Work Done</a:t>
+            </a:r>
+            <a:endParaRPr lang="en-US"/>
+          </a:p>
+          <a:p>
+            <a:endParaRPr lang="en-US"/>
+          </a:p>
+          <a:p>
+            <a:endParaRPr lang="en-US"/>
+          </a:p>
+        </p:txBody>
+      </p:sp>
+      <p:sp>
+        <p:nvSpPr>
+          <p:cNvPr id="3" name="Content Placeholder 2"/>
+          <p:cNvSpPr>
+            <a:spLocks noGrp="1"/>
+          </p:cNvSpPr>
+          <p:nvPr>
+            <p:ph idx="1"/>
+          </p:nvPr>
+        </p:nvSpPr>
+        <p:spPr>
+          <a:xfrm>
+            <a:off x="3648075" y="1466850"/>
+            <a:ext cx="7315200" cy="5120640"/>
+          </a:xfrm>
+        </p:spPr>
+        <p:txBody>
+          <a:bodyPr/>
+          <a:lstStyle/>
+          <a:p>
+            <a:pPr marL="0" indent="0" algn="ctr">
+              <a:buNone/>
+            </a:pPr>
+            <a:r>
+              <a:rPr lang="en-US" sz="2400" b="1"/>
+              <a:t>Improvements in Filter System</a:t>
+            </a:r>
+            <a:endParaRPr lang="en-US" sz="2400"/>
+          </a:p>
+          <a:p>
+            <a:r>
+              <a:rPr lang="en-US" sz="2200"/>
+              <a:t>Replace old solutions </a:t>
+            </a:r>
+          </a:p>
+          <a:p>
+            <a:pPr>
+              <a:buFont typeface="Wingdings 2"/>
+            </a:pPr>
+            <a:r>
+              <a:rPr lang="en-US" sz="2200"/>
+              <a:t>More dynamic in nature</a:t>
+            </a:r>
+          </a:p>
+          <a:p>
+            <a:pPr marL="0" indent="0" algn="ctr">
+              <a:buNone/>
+            </a:pPr>
+            <a:endParaRPr lang="en-US" sz="2400" b="1"/>
+          </a:p>
+          <a:p>
+            <a:pPr marL="0" indent="0" algn="ctr">
+              <a:buNone/>
+            </a:pPr>
+            <a:endParaRPr lang="en-US" sz="2400" b="1"/>
+          </a:p>
+          <a:p>
+            <a:pPr marL="0" indent="0" algn="ctr">
+              <a:buNone/>
+            </a:pPr>
+            <a:r>
+              <a:rPr lang="en-US" sz="2400" b="1"/>
+              <a:t>Benefits to Stakeholders</a:t>
+            </a:r>
+            <a:endParaRPr lang="en-US" sz="2400"/>
+          </a:p>
+          <a:p>
+            <a:pPr>
+              <a:buFont typeface="Wingdings 2"/>
+            </a:pPr>
+            <a:r>
+              <a:rPr lang="en-US" sz="2200"/>
+              <a:t>Mobile Network Operators</a:t>
+            </a:r>
+          </a:p>
+          <a:p>
+            <a:pPr>
+              <a:buFont typeface="Wingdings 2"/>
+            </a:pPr>
+            <a:r>
+              <a:rPr lang="en-US" sz="2200"/>
+              <a:t>Consumers</a:t>
+            </a:r>
+          </a:p>
+          <a:p>
+            <a:pPr>
+              <a:buFont typeface="Wingdings 2"/>
+            </a:pPr>
+            <a:endParaRPr lang="en-US" b="1"/>
+          </a:p>
+          <a:p>
+            <a:pPr>
+              <a:buFont typeface="Wingdings 2"/>
+              <a:buChar char=""/>
+            </a:pPr>
+            <a:endParaRPr lang="en-US" b="1"/>
+          </a:p>
+          <a:p>
+            <a:pPr>
+              <a:buFont typeface="Wingdings 2"/>
+              <a:buChar char=""/>
+            </a:pPr>
+            <a:endParaRPr lang="en-US"/>
+          </a:p>
+          <a:p>
+            <a:endParaRPr lang="en-US" b="1"/>
+          </a:p>
+          <a:p>
+            <a:endParaRPr lang="en-US"/>
+          </a:p>
+        </p:txBody>
+      </p:sp>
+    </p:spTree>
+    <p:extLst>
+      <p:ext uri="{BB962C8B-B14F-4D97-AF65-F5344CB8AC3E}">
+        <p14:creationId xmlns:p14="http://schemas.microsoft.com/office/powerpoint/2010/main" val="66618034"/>
       </p:ext>
     </p:extLst>
   </p:cSld>
@@ -6873,9 +6768,153 @@
           <a:chExt cx="0" cy="0"/>
         </a:xfrm>
       </p:grpSpPr>
+      <p:sp>
+        <p:nvSpPr>
+          <p:cNvPr id="2" name="Title 1"/>
+          <p:cNvSpPr>
+            <a:spLocks noGrp="1"/>
+          </p:cNvSpPr>
+          <p:nvPr>
+            <p:ph type="title"/>
+          </p:nvPr>
+        </p:nvSpPr>
+        <p:spPr>
+          <a:xfrm>
+            <a:off x="252919" y="1123837"/>
+            <a:ext cx="2947482" cy="4601183"/>
+          </a:xfrm>
+        </p:spPr>
+        <p:txBody>
+          <a:bodyPr>
+            <a:normAutofit/>
+          </a:bodyPr>
+          <a:lstStyle/>
+          <a:p>
+            <a:pPr algn="ctr"/>
+            <a:r>
+              <a:rPr lang="en-US" b="1"/>
+              <a:t>Context</a:t>
+            </a:r>
+            <a:endParaRPr lang="en-US"/>
+          </a:p>
+        </p:txBody>
+      </p:sp>
+      <p:sp>
+        <p:nvSpPr>
+          <p:cNvPr id="11" name="Content Placeholder 10"/>
+          <p:cNvSpPr>
+            <a:spLocks noGrp="1"/>
+          </p:cNvSpPr>
+          <p:nvPr>
+            <p:ph idx="1"/>
+          </p:nvPr>
+        </p:nvSpPr>
+        <p:spPr>
+          <a:xfrm>
+            <a:off x="3603625" y="2952750"/>
+            <a:ext cx="7315200" cy="2998765"/>
+          </a:xfrm>
+        </p:spPr>
+        <p:txBody>
+          <a:bodyPr>
+            <a:normAutofit/>
+          </a:bodyPr>
+          <a:lstStyle/>
+          <a:p>
+            <a:endParaRPr lang="en-US">
+              <a:latin typeface="Corbel"/>
+              <a:cs typeface="Arial"/>
+            </a:endParaRPr>
+          </a:p>
+          <a:p>
+            <a:r>
+              <a:rPr lang="en-US">
+                <a:latin typeface="Corbel"/>
+                <a:cs typeface="Arial"/>
+              </a:rPr>
+              <a:t>Good proportion of these SMS are Spam</a:t>
+            </a:r>
+          </a:p>
+          <a:p>
+            <a:pPr lvl="1">
+              <a:spcBef>
+                <a:spcPts val="200"/>
+              </a:spcBef>
+              <a:spcAft>
+                <a:spcPts val="0"/>
+              </a:spcAft>
+              <a:buFont typeface="Courier New" pitchFamily="18" charset="2"/>
+              <a:buChar char="o"/>
+            </a:pPr>
+            <a:r>
+              <a:rPr lang="en-US">
+                <a:latin typeface="Corbel"/>
+                <a:cs typeface="Arial"/>
+              </a:rPr>
+              <a:t>Found through representative data that 13% are spam SMS </a:t>
+            </a:r>
+          </a:p>
+          <a:p>
+            <a:endParaRPr lang="en-US">
+              <a:latin typeface="Corbel"/>
+              <a:cs typeface="Arial"/>
+            </a:endParaRPr>
+          </a:p>
+          <a:p>
+            <a:r>
+              <a:rPr lang="en-US">
+                <a:latin typeface="Corbel"/>
+                <a:cs typeface="Arial"/>
+              </a:rPr>
+              <a:t>Out of these, 92% of spam SMS are fraud</a:t>
+            </a:r>
+            <a:r>
+              <a:rPr lang="en-US">
+                <a:solidFill>
+                  <a:srgbClr val="595959"/>
+                </a:solidFill>
+              </a:rPr>
+              <a:t>.</a:t>
+            </a:r>
+            <a:endParaRPr lang="en-US">
+              <a:solidFill>
+                <a:schemeClr val="tx1"/>
+              </a:solidFill>
+            </a:endParaRPr>
+          </a:p>
+          <a:p>
+            <a:pPr>
+              <a:buFont typeface="Wingdings 2"/>
+            </a:pPr>
+            <a:endParaRPr lang="en-US">
+              <a:latin typeface="Corbel"/>
+              <a:cs typeface="Arial"/>
+            </a:endParaRPr>
+          </a:p>
+          <a:p>
+            <a:pPr>
+              <a:buFont typeface="Wingdings 2"/>
+            </a:pPr>
+            <a:r>
+              <a:rPr lang="en-US">
+                <a:latin typeface="Corbel"/>
+                <a:cs typeface="Arial"/>
+              </a:rPr>
+              <a:t>Rate of receipt of spam SMS is increasing.</a:t>
+            </a:r>
+            <a:endParaRPr lang="en-US">
+              <a:solidFill>
+                <a:schemeClr val="tx1"/>
+              </a:solidFill>
+              <a:latin typeface="Corbel"/>
+              <a:cs typeface="Arial"/>
+            </a:endParaRPr>
+          </a:p>
+        </p:txBody>
+      </p:sp>
       <p:pic>
         <p:nvPicPr>
-          <p:cNvPr id="9" name="Picture 4"/>
+          <p:cNvPr id="8" name="Picture 9"/>
           <p:cNvPicPr>
             <a:picLocks noChangeAspect="1"/>
           </p:cNvPicPr>
@@ -6889,8 +6928,8 @@
         </p:blipFill>
         <p:spPr>
           <a:xfrm>
-            <a:off x="3705225" y="1224478"/>
-            <a:ext cx="3544627" cy="2195077"/>
+            <a:off x="3600450" y="904875"/>
+            <a:ext cx="4016200" cy="2484463"/>
           </a:xfrm>
           <a:prstGeom prst="rect">
             <a:avLst/>
@@ -6899,7 +6938,7 @@
       </p:pic>
       <p:pic>
         <p:nvPicPr>
-          <p:cNvPr id="6" name="Picture 6"/>
+          <p:cNvPr id="12" name="Picture 12"/>
           <p:cNvPicPr>
             <a:picLocks noChangeAspect="1"/>
           </p:cNvPicPr>
@@ -6913,8 +6952,8 @@
         </p:blipFill>
         <p:spPr>
           <a:xfrm>
-            <a:off x="7705725" y="1195723"/>
-            <a:ext cx="3599986" cy="2226376"/>
+            <a:off x="7583608" y="942975"/>
+            <a:ext cx="3943230" cy="2436927"/>
           </a:xfrm>
           <a:prstGeom prst="rect">
             <a:avLst/>
@@ -6923,83 +6962,34 @@
       </p:pic>
       <p:sp>
         <p:nvSpPr>
-          <p:cNvPr id="2" name="Title 1"/>
-          <p:cNvSpPr>
-            <a:spLocks noGrp="1"/>
-          </p:cNvSpPr>
-          <p:nvPr>
-            <p:ph type="title"/>
-          </p:nvPr>
+          <p:cNvPr id="3" name="TextBox 2"/>
+          <p:cNvSpPr txBox="1"/>
+          <p:nvPr/>
         </p:nvSpPr>
         <p:spPr>
           <a:xfrm>
-            <a:off x="252919" y="1123837"/>
-            <a:ext cx="2947482" cy="4601183"/>
+            <a:off x="3499809" y="6638925"/>
+            <a:ext cx="8221543" cy="307777"/>
           </a:xfrm>
+          <a:prstGeom prst="rect">
+            <a:avLst/>
+          </a:prstGeom>
         </p:spPr>
         <p:txBody>
-          <a:bodyPr>
-            <a:normAutofit/>
+          <a:bodyPr rot="0" spcFirstLastPara="0" vertOverflow="overflow" horzOverflow="overflow" vert="horz" wrap="square" lIns="91440" tIns="45720" rIns="91440" bIns="45720" numCol="1" spcCol="0" rtlCol="0" fromWordArt="0" anchor="t" anchorCtr="0" forceAA="0" compatLnSpc="1">
+            <a:prstTxWarp prst="textNoShape">
+              <a:avLst/>
+            </a:prstTxWarp>
+            <a:spAutoFit/>
           </a:bodyPr>
           <a:lstStyle/>
           <a:p>
             <a:pPr algn="ctr"/>
             <a:r>
-              <a:rPr lang="en-US" b="1"/>
-              <a:t>Context</a:t>
-            </a:r>
-            <a:endParaRPr lang="en-US"/>
-          </a:p>
-        </p:txBody>
-      </p:sp>
-      <p:sp>
-        <p:nvSpPr>
-          <p:cNvPr id="11" name="Content Placeholder 10"/>
-          <p:cNvSpPr>
-            <a:spLocks noGrp="1"/>
-          </p:cNvSpPr>
-          <p:nvPr>
-            <p:ph idx="1"/>
-          </p:nvPr>
-        </p:nvSpPr>
-        <p:spPr>
-          <a:xfrm>
-            <a:off x="3771900" y="3286125"/>
-            <a:ext cx="7315200" cy="2998765"/>
-          </a:xfrm>
-        </p:spPr>
-        <p:txBody>
-          <a:bodyPr>
-            <a:normAutofit/>
-          </a:bodyPr>
-          <a:lstStyle/>
-          <a:p>
-            <a:r>
-              <a:rPr lang="en-US">
-                <a:latin typeface="Corbel"/>
-                <a:cs typeface="Arial"/>
-              </a:rPr>
-              <a:t>92% of spam SMS are fraud</a:t>
-            </a:r>
-          </a:p>
-          <a:p>
-            <a:pPr>
-              <a:buFont typeface="Wingdings 2"/>
-            </a:pPr>
-            <a:r>
-              <a:rPr lang="en-US">
-                <a:latin typeface="Corbel"/>
-                <a:cs typeface="Arial"/>
-              </a:rPr>
-              <a:t>Overall rate of receipt grew by 300% from 2011 to 2012.</a:t>
-            </a:r>
-            <a:endParaRPr lang="en-US">
-              <a:solidFill>
-                <a:schemeClr val="tx1"/>
-              </a:solidFill>
-              <a:latin typeface="Corbel"/>
-              <a:cs typeface="Arial"/>
-            </a:endParaRPr>
+              <a:rPr lang="en-US" sz="1400" i="1"/>
+              <a:t>Time to Confirm Some Mobile User Numbers: SMS, MMS, Mobile Internet, M-News</a:t>
+            </a:r>
+            <a:endParaRPr lang="en-US" i="1"/>
           </a:p>
         </p:txBody>
       </p:sp>
@@ -7033,58 +7023,67 @@
           <a:chExt cx="0" cy="0"/>
         </a:xfrm>
       </p:grpSpPr>
-      <p:pic>
-        <p:nvPicPr>
-          <p:cNvPr id="2" name="Picture 2"/>
-          <p:cNvPicPr>
-            <a:picLocks noChangeAspect="1"/>
-          </p:cNvPicPr>
-          <p:nvPr/>
-        </p:nvPicPr>
-        <p:blipFill>
-          <a:blip r:embed="rId2"/>
-          <a:stretch>
-            <a:fillRect/>
-          </a:stretch>
-        </p:blipFill>
-        <p:spPr>
-          <a:xfrm>
-            <a:off x="0" y="53805"/>
-            <a:ext cx="9272194" cy="2013120"/>
-          </a:xfrm>
-          <a:prstGeom prst="rect">
-            <a:avLst/>
-          </a:prstGeom>
-        </p:spPr>
-      </p:pic>
-      <p:pic>
-        <p:nvPicPr>
-          <p:cNvPr id="4" name="Picture 4"/>
-          <p:cNvPicPr>
-            <a:picLocks noChangeAspect="1"/>
-          </p:cNvPicPr>
-          <p:nvPr/>
-        </p:nvPicPr>
-        <p:blipFill>
-          <a:blip r:embed="rId3"/>
-          <a:stretch>
-            <a:fillRect/>
-          </a:stretch>
-        </p:blipFill>
-        <p:spPr>
-          <a:xfrm>
-            <a:off x="3995827" y="3682941"/>
-            <a:ext cx="8196173" cy="2041584"/>
-          </a:xfrm>
-          <a:prstGeom prst="rect">
-            <a:avLst/>
-          </a:prstGeom>
-        </p:spPr>
-      </p:pic>
+      <p:sp>
+        <p:nvSpPr>
+          <p:cNvPr id="2" name="Title 1"/>
+          <p:cNvSpPr>
+            <a:spLocks noGrp="1"/>
+          </p:cNvSpPr>
+          <p:nvPr>
+            <p:ph type="ctrTitle"/>
+            <p:extLst/>
+          </p:nvPr>
+        </p:nvSpPr>
+        <p:spPr/>
+        <p:txBody>
+          <a:bodyPr/>
+          <a:lstStyle/>
+          <a:p>
+            <a:pPr algn="ctr"/>
+            <a:r>
+              <a:rPr lang="en-US">
+                <a:latin typeface="Arial"/>
+                <a:cs typeface="Arial"/>
+              </a:rPr>
+              <a:t>Thank You!!</a:t>
+            </a:r>
+          </a:p>
+        </p:txBody>
+      </p:sp>
+      <p:sp>
+        <p:nvSpPr>
+          <p:cNvPr id="3" name="Subtitle 2"/>
+          <p:cNvSpPr>
+            <a:spLocks noGrp="1"/>
+          </p:cNvSpPr>
+          <p:nvPr>
+            <p:ph type="subTitle" idx="1"/>
+            <p:extLst/>
+          </p:nvPr>
+        </p:nvSpPr>
+        <p:spPr/>
+        <p:txBody>
+          <a:bodyPr/>
+          <a:lstStyle/>
+          <a:p>
+            <a:pPr algn="ctr"/>
+            <a:r>
+              <a:rPr lang="en-US">
+                <a:solidFill>
+                  <a:srgbClr val="FFFFFF"/>
+                </a:solidFill>
+                <a:latin typeface="Arial"/>
+                <a:cs typeface="Arial"/>
+              </a:rPr>
+              <a:t>Any questions?</a:t>
+            </a:r>
+          </a:p>
+        </p:txBody>
+      </p:sp>
     </p:spTree>
     <p:extLst>
       <p:ext uri="{BB962C8B-B14F-4D97-AF65-F5344CB8AC3E}">
-        <p14:creationId xmlns:p14="http://schemas.microsoft.com/office/powerpoint/2010/main" val="2194715843"/>
+        <p14:creationId xmlns:p14="http://schemas.microsoft.com/office/powerpoint/2010/main" val="2490712412"/>
       </p:ext>
     </p:extLst>
   </p:cSld>
@@ -7119,255 +7118,6 @@
           </p:cNvSpPr>
           <p:nvPr>
             <p:ph type="title"/>
-          </p:nvPr>
-        </p:nvSpPr>
-        <p:spPr/>
-        <p:txBody>
-          <a:bodyPr/>
-          <a:lstStyle/>
-          <a:p>
-            <a:pPr algn="ctr"/>
-            <a:r>
-              <a:rPr lang="en-US" b="1"/>
-              <a:t>Implications of </a:t>
-            </a:r>
-            <a:br>
-              <a:rPr lang="en-US">
-                <a:solidFill>
-                  <a:schemeClr val="tx1"/>
-                </a:solidFill>
-                <a:latin typeface="+mj-ea"/>
-                <a:cs typeface="+mj-ea"/>
-              </a:rPr>
-            </a:br>
-            <a:r>
-              <a:rPr lang="en-US" b="1"/>
-              <a:t>Work Done</a:t>
-            </a:r>
-          </a:p>
-        </p:txBody>
-      </p:sp>
-      <p:sp>
-        <p:nvSpPr>
-          <p:cNvPr id="3" name="Content Placeholder 2"/>
-          <p:cNvSpPr>
-            <a:spLocks noGrp="1"/>
-          </p:cNvSpPr>
-          <p:nvPr>
-            <p:ph idx="1"/>
-          </p:nvPr>
-        </p:nvSpPr>
-        <p:spPr/>
-        <p:txBody>
-          <a:bodyPr/>
-          <a:lstStyle/>
-          <a:p>
-            <a:pPr marL="0" indent="0">
-              <a:buNone/>
-            </a:pPr>
-            <a:r>
-              <a:rPr lang="en-US" sz="2400"/>
-              <a:t>Most Benefitted Stakeholders:</a:t>
-            </a:r>
-          </a:p>
-          <a:p>
-            <a:pPr marL="457200" indent="-457200">
-              <a:buAutoNum type="arabicPeriod"/>
-            </a:pPr>
-            <a:r>
-              <a:rPr lang="en-US" b="1"/>
-              <a:t>Mobile Network Operators</a:t>
-            </a:r>
-          </a:p>
-          <a:p>
-            <a:pPr lvl="1">
-              <a:spcBef>
-                <a:spcPts val="200"/>
-              </a:spcBef>
-              <a:spcAft>
-                <a:spcPts val="0"/>
-              </a:spcAft>
-            </a:pPr>
-            <a:r>
-              <a:rPr lang="en-US"/>
-              <a:t>Implement SMS Spam Filters </a:t>
-            </a:r>
-          </a:p>
-          <a:p>
-            <a:pPr lvl="1">
-              <a:spcBef>
-                <a:spcPts val="200"/>
-              </a:spcBef>
-              <a:spcAft>
-                <a:spcPts val="0"/>
-              </a:spcAft>
-            </a:pPr>
-            <a:r>
-              <a:rPr lang="en-US"/>
-              <a:t>Improve SMS Quality and Services to Customers</a:t>
-            </a:r>
-          </a:p>
-          <a:p>
-            <a:pPr lvl="1">
-              <a:spcBef>
-                <a:spcPts val="200"/>
-              </a:spcBef>
-              <a:spcAft>
-                <a:spcPts val="0"/>
-              </a:spcAft>
-            </a:pPr>
-            <a:r>
-              <a:rPr lang="en-US"/>
-              <a:t>No Overhead Costs to Maintain the Quality</a:t>
-            </a:r>
-          </a:p>
-          <a:p>
-            <a:pPr marL="457200" indent="-457200">
-              <a:buAutoNum type="arabicPeriod"/>
-            </a:pPr>
-            <a:r>
-              <a:rPr lang="en-US" b="1"/>
-              <a:t>Consumers</a:t>
-            </a:r>
-          </a:p>
-          <a:p>
-            <a:pPr lvl="1">
-              <a:spcBef>
-                <a:spcPts val="200"/>
-              </a:spcBef>
-            </a:pPr>
-            <a:r>
-              <a:rPr lang="en-US"/>
-              <a:t>Protected Confidential Personal and Valuable Information</a:t>
-            </a:r>
-          </a:p>
-        </p:txBody>
-      </p:sp>
-    </p:spTree>
-    <p:extLst>
-      <p:ext uri="{BB962C8B-B14F-4D97-AF65-F5344CB8AC3E}">
-        <p14:creationId xmlns:p14="http://schemas.microsoft.com/office/powerpoint/2010/main" val="1217215224"/>
-      </p:ext>
-    </p:extLst>
-  </p:cSld>
-  <p:clrMapOvr>
-    <a:masterClrMapping/>
-  </p:clrMapOvr>
-</p:sld>
-</file>
-
-<file path=ppt/slides/slide22.xml><?xml version="1.0" encoding="utf-8"?>
-<p:sld xmlns:a="http://schemas.openxmlformats.org/drawingml/2006/main" xmlns:r="http://schemas.openxmlformats.org/officeDocument/2006/relationships" xmlns:p="http://schemas.openxmlformats.org/presentationml/2006/main">
-  <p:cSld>
-    <p:spTree>
-      <p:nvGrpSpPr>
-        <p:cNvPr id="1" name=""/>
-        <p:cNvGrpSpPr/>
-        <p:nvPr/>
-      </p:nvGrpSpPr>
-      <p:grpSpPr>
-        <a:xfrm>
-          <a:off x="0" y="0"/>
-          <a:ext cx="0" cy="0"/>
-          <a:chOff x="0" y="0"/>
-          <a:chExt cx="0" cy="0"/>
-        </a:xfrm>
-      </p:grpSpPr>
-      <p:sp>
-        <p:nvSpPr>
-          <p:cNvPr id="2" name="Title 1"/>
-          <p:cNvSpPr>
-            <a:spLocks noGrp="1"/>
-          </p:cNvSpPr>
-          <p:nvPr>
-            <p:ph type="ctrTitle"/>
-            <p:extLst/>
-          </p:nvPr>
-        </p:nvSpPr>
-        <p:spPr/>
-        <p:txBody>
-          <a:bodyPr/>
-          <a:lstStyle/>
-          <a:p>
-            <a:pPr algn="ctr"/>
-            <a:r>
-              <a:rPr lang="en-US">
-                <a:latin typeface="Arial"/>
-                <a:cs typeface="Arial"/>
-              </a:rPr>
-              <a:t>Thank You!!</a:t>
-            </a:r>
-          </a:p>
-        </p:txBody>
-      </p:sp>
-      <p:sp>
-        <p:nvSpPr>
-          <p:cNvPr id="3" name="Subtitle 2"/>
-          <p:cNvSpPr>
-            <a:spLocks noGrp="1"/>
-          </p:cNvSpPr>
-          <p:nvPr>
-            <p:ph type="subTitle" idx="1"/>
-            <p:extLst/>
-          </p:nvPr>
-        </p:nvSpPr>
-        <p:spPr/>
-        <p:txBody>
-          <a:bodyPr/>
-          <a:lstStyle/>
-          <a:p>
-            <a:pPr algn="ctr"/>
-            <a:r>
-              <a:rPr lang="en-US">
-                <a:solidFill>
-                  <a:srgbClr val="FFFFFF"/>
-                </a:solidFill>
-                <a:latin typeface="Arial"/>
-                <a:cs typeface="Arial"/>
-              </a:rPr>
-              <a:t>Any questions?</a:t>
-            </a:r>
-          </a:p>
-        </p:txBody>
-      </p:sp>
-    </p:spTree>
-    <p:extLst>
-      <p:ext uri="{BB962C8B-B14F-4D97-AF65-F5344CB8AC3E}">
-        <p14:creationId xmlns:p14="http://schemas.microsoft.com/office/powerpoint/2010/main" val="2490712412"/>
-      </p:ext>
-    </p:extLst>
-  </p:cSld>
-  <p:clrMapOvr>
-    <a:masterClrMapping/>
-  </p:clrMapOvr>
-</p:sld>
-</file>
-
-<file path=ppt/slides/slide23.xml><?xml version="1.0" encoding="utf-8"?>
-<p:sld xmlns:a="http://schemas.openxmlformats.org/drawingml/2006/main" xmlns:r="http://schemas.openxmlformats.org/officeDocument/2006/relationships" xmlns:p="http://schemas.openxmlformats.org/presentationml/2006/main">
-  <p:cSld>
-    <p:spTree>
-      <p:nvGrpSpPr>
-        <p:cNvPr id="1" name=""/>
-        <p:cNvGrpSpPr/>
-        <p:nvPr/>
-      </p:nvGrpSpPr>
-      <p:grpSpPr>
-        <a:xfrm>
-          <a:off x="0" y="0"/>
-          <a:ext cx="0" cy="0"/>
-          <a:chOff x="0" y="0"/>
-          <a:chExt cx="0" cy="0"/>
-        </a:xfrm>
-      </p:grpSpPr>
-      <p:sp>
-        <p:nvSpPr>
-          <p:cNvPr id="2" name="Title 1"/>
-          <p:cNvSpPr>
-            <a:spLocks noGrp="1"/>
-          </p:cNvSpPr>
-          <p:nvPr>
-            <p:ph type="title"/>
             <p:extLst/>
           </p:nvPr>
         </p:nvSpPr>
@@ -7406,116 +7156,288 @@
         </p:spPr>
         <p:txBody>
           <a:bodyPr>
-            <a:normAutofit fontScale="85000" lnSpcReduction="20000"/>
+            <a:normAutofit fontScale="92500" lnSpcReduction="20000"/>
           </a:bodyPr>
           <a:lstStyle/>
           <a:p>
+            <a:pPr>
+              <a:buFont typeface="Wingdings 2"/>
+            </a:pPr>
+            <a:r>
+              <a:rPr lang="en-US" err="1">
+                <a:solidFill>
+                  <a:srgbClr val="000000"/>
+                </a:solidFill>
+                <a:latin typeface="Corbel"/>
+                <a:cs typeface="Arial"/>
+              </a:rPr>
+              <a:t>Ahonen</a:t>
+            </a:r>
             <a:r>
               <a:rPr lang="en-US">
                 <a:solidFill>
-                  <a:srgbClr val="323232"/>
+                  <a:srgbClr val="000000"/>
                 </a:solidFill>
-                <a:latin typeface="Arial"/>
+                <a:latin typeface="Corbel"/>
                 <a:cs typeface="Arial"/>
               </a:rPr>
-              <a:t>Team, A. V., Shaikh, F., Jain, K., Gupta, A., &amp; Gupta, D. (2016, October 11). A Complete Tutorial to learn Data Science in R from Scratch. Retrieved August 09, 2017, from </a:t>
+              <a:t>, Tomi T. (January 13, 2011). “Time to Confirm Some Mobile User Numbers: SMS, MMS, Mobile Internet, M-News”. </a:t>
+            </a:r>
+            <a:r>
+              <a:rPr lang="en-US" i="1">
+                <a:solidFill>
+                  <a:srgbClr val="000000"/>
+                </a:solidFill>
+                <a:latin typeface="Corbel"/>
+                <a:cs typeface="Arial"/>
+              </a:rPr>
+              <a:t>Communities Dominate Brands</a:t>
             </a:r>
             <a:r>
               <a:rPr lang="en-US">
                 <a:solidFill>
-                  <a:srgbClr val="323232"/>
+                  <a:srgbClr val="000000"/>
                 </a:solidFill>
-                <a:latin typeface="Arial"/>
+                <a:latin typeface="Corbel"/>
+                <a:cs typeface="Arial"/>
+              </a:rPr>
+              <a:t>. Retrieved September 27, 2016</a:t>
+            </a:r>
+            <a:endParaRPr lang="en-US">
+              <a:solidFill>
+                <a:srgbClr val="000000"/>
+              </a:solidFill>
+              <a:latin typeface="Corbel"/>
+            </a:endParaRPr>
+          </a:p>
+          <a:p>
+            <a:pPr>
+              <a:buFont typeface="Wingdings 2"/>
+            </a:pPr>
+            <a:r>
+              <a:rPr lang="en-US">
+                <a:solidFill>
+                  <a:srgbClr val="000000"/>
+                </a:solidFill>
+                <a:latin typeface="Corbel"/>
+                <a:cs typeface="Arial"/>
+              </a:rPr>
+              <a:t>Global SMS traffic to reach 8.7 trillion by 2015: study. (</a:t>
+            </a:r>
+            <a:r>
+              <a:rPr lang="en-US" err="1">
+                <a:solidFill>
+                  <a:srgbClr val="000000"/>
+                </a:solidFill>
+                <a:latin typeface="Corbel"/>
+                <a:cs typeface="Arial"/>
+              </a:rPr>
+              <a:t>n.d.</a:t>
+            </a:r>
+            <a:r>
+              <a:rPr lang="en-US">
+                <a:solidFill>
+                  <a:srgbClr val="000000"/>
+                </a:solidFill>
+                <a:latin typeface="Corbel"/>
+                <a:cs typeface="Arial"/>
+              </a:rPr>
+              <a:t>). Retrieved August 19, 2017, from </a:t>
+            </a:r>
+            <a:r>
+              <a:rPr lang="en-US" u="sng">
+                <a:solidFill>
+                  <a:srgbClr val="000000"/>
+                </a:solidFill>
+                <a:latin typeface="Corbel"/>
                 <a:cs typeface="Arial"/>
                 <a:hlinkClick r:id="rId2"/>
               </a:rPr>
-              <a:t>https://www.analyticsvidhya.com/blog/2016/02/complete-tutorial-learn-data-science-scratch/</a:t>
+              <a:t>http://www.retaildive.com/ex/mobilecommercedaily/global-sms-traffic-to-reach-8-7-trillion-by-2015</a:t>
             </a:r>
             <a:endParaRPr lang="en-US">
               <a:solidFill>
-                <a:srgbClr val="595959"/>
+                <a:srgbClr val="000000"/>
               </a:solidFill>
-              <a:latin typeface="Arial"/>
-              <a:cs typeface="Arial"/>
+              <a:latin typeface="Corbel"/>
             </a:endParaRPr>
           </a:p>
           <a:p>
+            <a:pPr>
+              <a:buFont typeface="Wingdings 2"/>
+            </a:pPr>
             <a:r>
               <a:rPr lang="en-US">
                 <a:solidFill>
-                  <a:srgbClr val="323232"/>
+                  <a:srgbClr val="000000"/>
                 </a:solidFill>
-                <a:latin typeface="Arial"/>
+                <a:latin typeface="Corbel"/>
                 <a:cs typeface="Arial"/>
               </a:rPr>
-              <a:t>Guo, P. (2013, October 30). Data Science Workflow: Overview and Challenges. Retrieved August 09, 2017, from </a:t>
+              <a:t>Whitepapers. (</a:t>
+            </a:r>
+            <a:r>
+              <a:rPr lang="en-US" err="1">
+                <a:solidFill>
+                  <a:srgbClr val="000000"/>
+                </a:solidFill>
+                <a:latin typeface="Corbel"/>
+                <a:cs typeface="Arial"/>
+              </a:rPr>
+              <a:t>n.d.</a:t>
             </a:r>
             <a:r>
               <a:rPr lang="en-US">
                 <a:solidFill>
-                  <a:srgbClr val="323232"/>
+                  <a:srgbClr val="000000"/>
                 </a:solidFill>
-                <a:latin typeface="Arial"/>
+                <a:latin typeface="Corbel"/>
+                <a:cs typeface="Arial"/>
+              </a:rPr>
+              <a:t>). Retrieved August 19, 2017, from </a:t>
+            </a:r>
+            <a:r>
+              <a:rPr lang="en-US" u="sng">
+                <a:solidFill>
+                  <a:srgbClr val="000000"/>
+                </a:solidFill>
+                <a:latin typeface="Corbel"/>
                 <a:cs typeface="Arial"/>
                 <a:hlinkClick r:id="rId3"/>
               </a:rPr>
-              <a:t>https://cacm.acm.org/blogs/blog-cacm/169199-data-science-workflow-overview-and-challenges/fulltext</a:t>
+              <a:t>https://www.cloudmark.com/en/s/resources/whitepapers/sms-spam-overview</a:t>
+            </a:r>
+            <a:endParaRPr lang="en-US" u="sng">
+              <a:solidFill>
+                <a:srgbClr val="000000"/>
+              </a:solidFill>
+              <a:latin typeface="Corbel"/>
+            </a:endParaRPr>
+          </a:p>
+          <a:p>
+            <a:pPr>
+              <a:buFont typeface="Wingdings 2"/>
+            </a:pPr>
+            <a:r>
+              <a:rPr lang="en-US" err="1">
+                <a:solidFill>
+                  <a:srgbClr val="000000"/>
+                </a:solidFill>
+                <a:latin typeface="Corbel"/>
+                <a:cs typeface="Arial"/>
+              </a:rPr>
+              <a:t>Khemapatapan</a:t>
+            </a:r>
+            <a:r>
+              <a:rPr lang="en-US">
+                <a:solidFill>
+                  <a:srgbClr val="000000"/>
+                </a:solidFill>
+                <a:latin typeface="Corbel"/>
+                <a:cs typeface="Arial"/>
+              </a:rPr>
+              <a:t>, C. (2010). Thai-English spam SMS filtering. </a:t>
+            </a:r>
+            <a:r>
+              <a:rPr lang="en-US" i="1">
+                <a:solidFill>
+                  <a:srgbClr val="000000"/>
+                </a:solidFill>
+                <a:latin typeface="Corbel"/>
+                <a:cs typeface="Arial"/>
+              </a:rPr>
+              <a:t>2010 16th Asia-Pacific Conference on Communications (APCC)</a:t>
+            </a:r>
+            <a:r>
+              <a:rPr lang="en-US">
+                <a:solidFill>
+                  <a:srgbClr val="000000"/>
+                </a:solidFill>
+                <a:latin typeface="Corbel"/>
+                <a:cs typeface="Arial"/>
+              </a:rPr>
+              <a:t>. doi:10.1109/apcc.2010.5679770</a:t>
             </a:r>
             <a:endParaRPr lang="en-US">
               <a:solidFill>
-                <a:srgbClr val="323232"/>
+                <a:srgbClr val="000000"/>
               </a:solidFill>
-              <a:latin typeface="Arial"/>
-              <a:cs typeface="Arial"/>
+              <a:latin typeface="Corbel"/>
             </a:endParaRPr>
           </a:p>
           <a:p>
+            <a:pPr>
+              <a:buFont typeface="Wingdings 2"/>
+            </a:pPr>
             <a:r>
               <a:rPr lang="en-US">
                 <a:solidFill>
-                  <a:srgbClr val="323232"/>
+                  <a:srgbClr val="000000"/>
                 </a:solidFill>
-                <a:latin typeface="Arial"/>
+                <a:latin typeface="Corbel"/>
                 <a:cs typeface="Arial"/>
               </a:rPr>
-              <a:t>Delany, S. J., Buckley, M., &amp; Greene, D. (2012). SMS Spam Filtering: Methods and Data. Retrieved from </a:t>
+              <a:t>SMS Marketing Statistics: 43% of SMS Responses Within 15 Minutes | </a:t>
+            </a:r>
+            <a:r>
+              <a:rPr lang="en-US" err="1">
+                <a:solidFill>
+                  <a:srgbClr val="000000"/>
+                </a:solidFill>
+                <a:latin typeface="Corbel"/>
+                <a:cs typeface="Arial"/>
+              </a:rPr>
+              <a:t>Tatango</a:t>
             </a:r>
             <a:r>
               <a:rPr lang="en-US">
                 <a:solidFill>
-                  <a:srgbClr val="323232"/>
+                  <a:srgbClr val="000000"/>
                 </a:solidFill>
-                <a:latin typeface="Arial"/>
+                <a:latin typeface="Corbel"/>
+                <a:cs typeface="Arial"/>
+              </a:rPr>
+              <a:t>. (2017, February 21). Retrieved August 19, 2017, from </a:t>
+            </a:r>
+            <a:r>
+              <a:rPr lang="en-US" u="sng">
+                <a:solidFill>
+                  <a:srgbClr val="000000"/>
+                </a:solidFill>
+                <a:latin typeface="Corbel"/>
                 <a:cs typeface="Arial"/>
                 <a:hlinkClick r:id="rId4"/>
               </a:rPr>
-              <a:t>http://arrow.dit.ie/cgi/viewcontent.cgi?article=1022&amp;context=scschcomart</a:t>
-            </a:r>
-            <a:endParaRPr lang="en-US">
+              <a:t>https://www.tatango.com/blog/sms-marketing-statistics-43-of-sms-responses-within-15-minutes/</a:t>
+            </a:r>
+            <a:endParaRPr lang="en-US" u="sng">
               <a:solidFill>
-                <a:srgbClr val="323232"/>
+                <a:srgbClr val="000000"/>
               </a:solidFill>
-              <a:latin typeface="Arial"/>
-              <a:cs typeface="Arial"/>
+              <a:latin typeface="Corbel"/>
+              <a:hlinkClick r:id="" action="ppaction://noaction"/>
             </a:endParaRPr>
           </a:p>
           <a:p>
+            <a:pPr indent="0">
+              <a:buNone/>
+            </a:pPr>
             <a:r>
               <a:rPr lang="en-US">
                 <a:solidFill>
-                  <a:srgbClr val="323232"/>
+                  <a:srgbClr val="000000"/>
                 </a:solidFill>
-                <a:latin typeface="Arial"/>
+                <a:latin typeface="Corbel"/>
                 <a:cs typeface="Arial"/>
               </a:rPr>
-              <a:t>Whitepapers. (</a:t>
+              <a:t>SMS Spam Collection v. 1. (</a:t>
             </a:r>
             <a:r>
               <a:rPr lang="en-US" err="1">
                 <a:solidFill>
-                  <a:srgbClr val="323232"/>
+                  <a:srgbClr val="000000"/>
                 </a:solidFill>
-                <a:latin typeface="Arial"/>
+                <a:latin typeface="Corbel"/>
                 <a:cs typeface="Arial"/>
               </a:rPr>
               <a:t>n.d.</a:t>
@@ -7523,106 +7445,30 @@
             <a:r>
               <a:rPr lang="en-US">
                 <a:solidFill>
-                  <a:srgbClr val="323232"/>
+                  <a:srgbClr val="000000"/>
                 </a:solidFill>
-                <a:latin typeface="Arial"/>
+                <a:latin typeface="Corbel"/>
                 <a:cs typeface="Arial"/>
               </a:rPr>
-              <a:t>). Retrieved August 09, 2017, from </a:t>
-            </a:r>
-            <a:r>
-              <a:rPr lang="en-US">
+              <a:t>). Retrieved August 19, 2017, from </a:t>
+            </a:r>
+            <a:r>
+              <a:rPr lang="en-US" u="sng">
                 <a:solidFill>
-                  <a:srgbClr val="323232"/>
+                  <a:srgbClr val="000000"/>
                 </a:solidFill>
-                <a:latin typeface="Arial"/>
+                <a:latin typeface="Corbel"/>
                 <a:cs typeface="Arial"/>
                 <a:hlinkClick r:id="rId5"/>
               </a:rPr>
-              <a:t>https://www.cloudmark.com/en/s/resources/whitepapers/sms-spam-overview</a:t>
-            </a:r>
-            <a:endParaRPr lang="en-US">
+              <a:t>http://www.dt.fee.unicamp.br/~tiago/smsspamcollection/</a:t>
+            </a:r>
+            <a:endParaRPr lang="en-US" u="sng">
               <a:solidFill>
-                <a:srgbClr val="323232"/>
+                <a:srgbClr val="000000"/>
               </a:solidFill>
-              <a:latin typeface="Arial"/>
-              <a:cs typeface="Arial"/>
-            </a:endParaRPr>
-          </a:p>
-          <a:p>
-            <a:r>
-              <a:rPr lang="en-US">
-                <a:solidFill>
-                  <a:srgbClr val="323232"/>
-                </a:solidFill>
-                <a:latin typeface="Arial"/>
-                <a:cs typeface="Arial"/>
-              </a:rPr>
-              <a:t>(</a:t>
-            </a:r>
-            <a:r>
-              <a:rPr lang="en-US" err="1">
-                <a:solidFill>
-                  <a:srgbClr val="323232"/>
-                </a:solidFill>
-                <a:latin typeface="Arial"/>
-                <a:cs typeface="Arial"/>
-              </a:rPr>
-              <a:t>n.d.</a:t>
-            </a:r>
-            <a:r>
-              <a:rPr lang="en-US">
-                <a:solidFill>
-                  <a:srgbClr val="323232"/>
-                </a:solidFill>
-                <a:latin typeface="Arial"/>
-                <a:cs typeface="Arial"/>
-              </a:rPr>
-              <a:t>). Retrieved August 09, 2017, from https://archive.ics.uci.edu/ml/datasets/SMS Spam Collection</a:t>
-            </a:r>
-          </a:p>
-          <a:p>
-            <a:r>
-              <a:rPr lang="en-US">
-                <a:solidFill>
-                  <a:srgbClr val="323232"/>
-                </a:solidFill>
-                <a:latin typeface="Arial"/>
-                <a:cs typeface="Arial"/>
-              </a:rPr>
-              <a:t>The DSDM Agile Project Framework (2014 Onwards). (2017, April 18). Retrieved August 09, 2017, from </a:t>
-            </a:r>
-            <a:r>
-              <a:rPr lang="en-US">
-                <a:solidFill>
-                  <a:srgbClr val="323232"/>
-                </a:solidFill>
-                <a:latin typeface="Arial"/>
-                <a:cs typeface="Arial"/>
-                <a:hlinkClick r:id="rId6"/>
-              </a:rPr>
-              <a:t>https://www.agilebusiness.org/resources/dsdm-handbooks/the-dsdm-agile-project-framework-2014-onwards</a:t>
-            </a:r>
-          </a:p>
-          <a:p>
-            <a:endParaRPr lang="en-US">
-              <a:solidFill>
-                <a:srgbClr val="323232"/>
-              </a:solidFill>
-              <a:latin typeface="Arial"/>
-              <a:cs typeface="Arial"/>
-            </a:endParaRPr>
-          </a:p>
-          <a:p>
-            <a:pPr marL="0" indent="0">
-              <a:buNone/>
-            </a:pPr>
-            <a:endParaRPr lang="en-US">
-              <a:solidFill>
-                <a:srgbClr val="323232"/>
-              </a:solidFill>
-              <a:latin typeface="Arial"/>
-              <a:cs typeface="Arial"/>
+              <a:latin typeface="Corbel"/>
+              <a:hlinkClick r:id="" action="ppaction://noaction"/>
             </a:endParaRPr>
           </a:p>
         </p:txBody>
@@ -7675,7 +7521,7 @@
             <a:pPr algn="ctr"/>
             <a:r>
               <a:rPr lang="en-US" b="1"/>
-              <a:t>Reason</a:t>
+              <a:t>Reasons</a:t>
             </a:r>
             <a:br>
               <a:rPr lang="en-US">
@@ -7726,7 +7572,7 @@
                 <a:latin typeface="Corbel"/>
                 <a:cs typeface="Arial"/>
               </a:rPr>
-              <a:t>The availability of affordable unlimited pre-pay SMS packages </a:t>
+              <a:t>The availability of affordable unlimited prepaid SMS packages </a:t>
             </a:r>
           </a:p>
           <a:p>
@@ -7735,7 +7581,7 @@
                 <a:latin typeface="Corbel"/>
                 <a:cs typeface="Arial"/>
               </a:rPr>
-              <a:t>Customers being more comfortable in sharing their confidential information via SMS</a:t>
+              <a:t>Customers being more comfortable with sharing their confidential information via SMS</a:t>
             </a:r>
           </a:p>
           <a:p>
@@ -7743,6 +7589,8 @@
               <a:spcBef>
                 <a:spcPts val="200"/>
               </a:spcBef>
+              <a:buFont typeface="Courier New" pitchFamily="18" charset="2"/>
+              <a:buChar char="o"/>
             </a:pPr>
             <a:r>
               <a:rPr lang="en-US"/>
@@ -7787,7 +7635,8 @@
               <a:spcAft>
                 <a:spcPts val="200"/>
               </a:spcAft>
-              <a:buFont typeface="Wingdings 2"/>
+              <a:buFont typeface="Courier New"/>
+              <a:buChar char="o"/>
             </a:pPr>
             <a:r>
               <a:rPr lang="en-US">
@@ -7806,7 +7655,8 @@
               <a:spcAft>
                 <a:spcPts val="200"/>
               </a:spcAft>
-              <a:buFont typeface="Wingdings 2"/>
+              <a:buFont typeface="Courier New"/>
+              <a:buChar char="o"/>
             </a:pPr>
             <a:r>
               <a:rPr lang="en-US">
@@ -7825,7 +7675,8 @@
               <a:spcAft>
                 <a:spcPts val="200"/>
               </a:spcAft>
-              <a:buFont typeface="Wingdings 2"/>
+              <a:buFont typeface="Courier New"/>
+              <a:buChar char="o"/>
             </a:pPr>
             <a:r>
               <a:rPr lang="en-US">
@@ -7844,7 +7695,8 @@
               <a:spcAft>
                 <a:spcPts val="200"/>
               </a:spcAft>
-              <a:buFont typeface="Wingdings 2"/>
+              <a:buFont typeface="Courier New"/>
+              <a:buChar char="o"/>
             </a:pPr>
             <a:r>
               <a:rPr lang="en-US">
@@ -7877,7 +7729,8 @@
               <a:spcAft>
                 <a:spcPts val="200"/>
               </a:spcAft>
-              <a:buFont typeface="Wingdings 2"/>
+              <a:buFont typeface="Courier New"/>
+              <a:buChar char="o"/>
             </a:pPr>
             <a:r>
               <a:rPr lang="en-US">
@@ -7903,8 +7756,8 @@
         </p:nvSpPr>
         <p:spPr>
           <a:xfrm>
-            <a:off x="5467350" y="819150"/>
-            <a:ext cx="2743200" cy="400110"/>
+            <a:off x="4125913" y="819150"/>
+            <a:ext cx="6438052" cy="461665"/>
           </a:xfrm>
           <a:prstGeom prst="rect">
             <a:avLst/>
@@ -7921,10 +7774,9 @@
           <a:p>
             <a:pPr algn="ctr"/>
             <a:r>
-              <a:rPr lang="en-US" sz="2000" b="1"/>
-              <a:t>Reason</a:t>
-            </a:r>
-            <a:endParaRPr lang="en-US" sz="2000" b="1" err="1"/>
+              <a:rPr lang="en-US" sz="2400" b="1"/>
+              <a:t>Reasons for Proliferation of Spam SMS</a:t>
+            </a:r>
           </a:p>
         </p:txBody>
       </p:sp>
@@ -7937,7 +7789,7 @@
         <p:spPr>
           <a:xfrm>
             <a:off x="5467349" y="2876550"/>
-            <a:ext cx="2743200" cy="400110"/>
+            <a:ext cx="2743200" cy="461665"/>
           </a:xfrm>
           <a:prstGeom prst="rect">
             <a:avLst/>
@@ -7954,10 +7806,42 @@
           <a:p>
             <a:pPr algn="ctr"/>
             <a:r>
-              <a:rPr lang="en-US" sz="2000" b="1"/>
+              <a:rPr lang="en-US" sz="2400" b="1"/>
               <a:t>Effects</a:t>
             </a:r>
-            <a:endParaRPr lang="en-US"/>
+            <a:endParaRPr lang="en-US" sz="2400"/>
+          </a:p>
+        </p:txBody>
+      </p:sp>
+      <p:sp>
+        <p:nvSpPr>
+          <p:cNvPr id="4" name="TextBox 3"/>
+          <p:cNvSpPr txBox="1"/>
+          <p:nvPr/>
+        </p:nvSpPr>
+        <p:spPr>
+          <a:xfrm>
+            <a:off x="1400175" y="6596380"/>
+            <a:ext cx="12340424" cy="307777"/>
+          </a:xfrm>
+          <a:prstGeom prst="rect">
+            <a:avLst/>
+          </a:prstGeom>
+        </p:spPr>
+        <p:txBody>
+          <a:bodyPr rot="0" spcFirstLastPara="0" vertOverflow="overflow" horzOverflow="overflow" vert="horz" wrap="square" lIns="91440" tIns="45720" rIns="91440" bIns="45720" numCol="1" spcCol="0" rtlCol="0" fromWordArt="0" anchor="t" anchorCtr="0" forceAA="0" compatLnSpc="1">
+            <a:prstTxWarp prst="textNoShape">
+              <a:avLst/>
+            </a:prstTxWarp>
+            <a:spAutoFit/>
+          </a:bodyPr>
+          <a:lstStyle/>
+          <a:p>
+            <a:pPr algn="ctr"/>
+            <a:r>
+              <a:rPr lang="en-US" sz="1400" i="1"/>
+              <a:t>Thai-English spam SMS filtering. 2010 16th Asia-Pacific Conference on Communications (APCC)</a:t>
+            </a:r>
           </a:p>
         </p:txBody>
       </p:sp>
@@ -8078,7 +7962,10 @@
             </a:endParaRPr>
           </a:p>
           <a:p>
-            <a:pPr lvl="1"/>
+            <a:pPr lvl="1">
+              <a:buFont typeface="Courier New" pitchFamily="18" charset="2"/>
+              <a:buChar char="o"/>
+            </a:pPr>
             <a:r>
               <a:rPr lang="en-US">
                 <a:solidFill>
@@ -8091,7 +7978,10 @@
             </a:r>
           </a:p>
           <a:p>
-            <a:pPr lvl="1"/>
+            <a:pPr lvl="1">
+              <a:buFont typeface="Courier New" pitchFamily="18" charset="2"/>
+              <a:buChar char="o"/>
+            </a:pPr>
             <a:r>
               <a:rPr lang="en-US">
                 <a:solidFill>
@@ -8110,7 +8000,10 @@
             </a:endParaRPr>
           </a:p>
           <a:p>
-            <a:pPr lvl="1"/>
+            <a:pPr lvl="1">
+              <a:buFont typeface="Courier New" pitchFamily="18" charset="2"/>
+              <a:buChar char="o"/>
+            </a:pPr>
             <a:r>
               <a:rPr lang="en-US">
                 <a:solidFill>
@@ -8119,7 +8012,7 @@
                 <a:latin typeface="Corbel"/>
                 <a:cs typeface="Arial"/>
               </a:rPr>
-              <a:t>Require on-going management</a:t>
+              <a:t>Perform in Ad-hoc and Post-hoc manner</a:t>
             </a:r>
           </a:p>
           <a:p>
@@ -8151,6 +8044,9 @@
             </a:endParaRPr>
           </a:p>
           <a:p>
+            <a:pPr marL="0" indent="0">
+              <a:buNone/>
+            </a:pPr>
             <a:endParaRPr lang="en-US">
               <a:solidFill>
                 <a:srgbClr val="000000"/>
@@ -8160,22 +8056,13 @@
             </a:endParaRPr>
           </a:p>
           <a:p>
-            <a:r>
-              <a:rPr lang="en-US">
-                <a:solidFill>
-                  <a:srgbClr val="000000"/>
-                </a:solidFill>
-                <a:latin typeface="Corbel"/>
-                <a:cs typeface="Arial"/>
-              </a:rPr>
-              <a:t>Available datasets are different</a:t>
-            </a:r>
-          </a:p>
-          <a:p>
             <a:pPr marL="0" indent="0">
               <a:buNone/>
             </a:pPr>
             <a:endParaRPr lang="en-US" sz="3000">
+              <a:solidFill>
+                <a:srgbClr val="595959"/>
+              </a:solidFill>
               <a:latin typeface="Arial"/>
               <a:cs typeface="Arial"/>
             </a:endParaRPr>
@@ -8196,16 +8083,14 @@
       </p:sp>
       <p:sp>
         <p:nvSpPr>
-          <p:cNvPr id="5" name="TextBox 4"/>
+          <p:cNvPr id="4" name="TextBox 3"/>
           <p:cNvSpPr txBox="1"/>
-          <p:nvPr>
-            <p:extLst/>
-          </p:nvPr>
+          <p:nvPr/>
         </p:nvSpPr>
         <p:spPr>
           <a:xfrm>
-            <a:off x="609707" y="6606818"/>
-            <a:ext cx="12199110" cy="253916"/>
+            <a:off x="1394603" y="6599207"/>
+            <a:ext cx="12340424" cy="307777"/>
           </a:xfrm>
           <a:prstGeom prst="rect">
             <a:avLst/>
@@ -8222,11 +8107,8 @@
           <a:p>
             <a:pPr algn="ctr"/>
             <a:r>
-              <a:rPr lang="en-US" sz="1050">
-                <a:latin typeface="Arial"/>
-                <a:cs typeface="Arial"/>
-              </a:rPr>
-              <a:t>Source: http://arrow.dit.ie/cgi/viewcontent.cgi?article=1022&amp;context=scschcomart</a:t>
+              <a:rPr lang="en-US" sz="1400" i="1"/>
+              <a:t>Thai-English spam SMS filtering. 2010 16th Asia-Pacific Conference on Communications (APCC)</a:t>
             </a:r>
           </a:p>
         </p:txBody>
@@ -8348,6 +8230,38 @@
           </a:p>
         </p:txBody>
       </p:sp>
+      <p:sp>
+        <p:nvSpPr>
+          <p:cNvPr id="3" name="TextBox 2"/>
+          <p:cNvSpPr txBox="1"/>
+          <p:nvPr/>
+        </p:nvSpPr>
+        <p:spPr>
+          <a:xfrm>
+            <a:off x="6179808" y="6553200"/>
+            <a:ext cx="2743200" cy="369332"/>
+          </a:xfrm>
+          <a:prstGeom prst="rect">
+            <a:avLst/>
+          </a:prstGeom>
+        </p:spPr>
+        <p:txBody>
+          <a:bodyPr rot="0" spcFirstLastPara="0" vertOverflow="overflow" horzOverflow="overflow" vert="horz" wrap="square" lIns="91440" tIns="45720" rIns="91440" bIns="45720" numCol="1" spcCol="0" rtlCol="0" fromWordArt="0" anchor="t" anchorCtr="0" forceAA="0" compatLnSpc="1">
+            <a:prstTxWarp prst="textNoShape">
+              <a:avLst/>
+            </a:prstTxWarp>
+            <a:spAutoFit/>
+          </a:bodyPr>
+          <a:lstStyle/>
+          <a:p>
+            <a:pPr algn="ctr"/>
+            <a:r>
+              <a:rPr lang="en-US" i="1"/>
+              <a:t>SMS Spam Collection</a:t>
+            </a:r>
+          </a:p>
+        </p:txBody>
+      </p:sp>
     </p:spTree>
     <p:extLst>
       <p:ext uri="{BB962C8B-B14F-4D97-AF65-F5344CB8AC3E}">
@@ -8485,8 +8399,8 @@
               <a:spcAft>
                 <a:spcPts val="200"/>
               </a:spcAft>
-              <a:buFont typeface="Arial" pitchFamily="18" charset="2"/>
-              <a:buChar char="•"/>
+              <a:buFont typeface="Courier New" pitchFamily="18" charset="2"/>
+              <a:buChar char="o"/>
             </a:pPr>
             <a:r>
               <a:rPr lang="en-US" sz="2000">
@@ -8514,8 +8428,8 @@
               <a:spcAft>
                 <a:spcPts val="200"/>
               </a:spcAft>
-              <a:buFont typeface="Arial" pitchFamily="18" charset="2"/>
-              <a:buChar char="•"/>
+              <a:buFont typeface="Courier New" pitchFamily="18" charset="2"/>
+              <a:buChar char="o"/>
             </a:pPr>
             <a:r>
               <a:rPr lang="en-US" sz="2000">
@@ -8559,7 +8473,10 @@
             </a:r>
           </a:p>
           <a:p>
-            <a:pPr lvl="1"/>
+            <a:pPr lvl="1">
+              <a:buFont typeface="Courier New" pitchFamily="18" charset="2"/>
+              <a:buChar char="o"/>
+            </a:pPr>
             <a:r>
               <a:rPr lang="en-US" sz="2000">
                 <a:solidFill>
@@ -8579,7 +8496,10 @@
             </a:endParaRPr>
           </a:p>
           <a:p>
-            <a:pPr lvl="1"/>
+            <a:pPr lvl="1">
+              <a:buFont typeface="Courier New" pitchFamily="18" charset="2"/>
+              <a:buChar char="o"/>
+            </a:pPr>
             <a:r>
               <a:rPr lang="en-US" sz="2000">
                 <a:solidFill>
@@ -8615,58 +8535,6 @@
               <a:solidFill>
                 <a:srgbClr val="000000"/>
               </a:solidFill>
-              <a:latin typeface="Arial"/>
-              <a:cs typeface="Arial"/>
-            </a:endParaRPr>
-          </a:p>
-        </p:txBody>
-      </p:sp>
-      <p:sp>
-        <p:nvSpPr>
-          <p:cNvPr id="5" name="TextBox 4"/>
-          <p:cNvSpPr txBox="1"/>
-          <p:nvPr>
-            <p:extLst/>
-          </p:nvPr>
-        </p:nvSpPr>
-        <p:spPr>
-          <a:xfrm>
-            <a:off x="695385" y="6602224"/>
-            <a:ext cx="12209082" cy="253916"/>
-          </a:xfrm>
-          <a:prstGeom prst="rect">
-            <a:avLst/>
-          </a:prstGeom>
-        </p:spPr>
-        <p:txBody>
-          <a:bodyPr rot="0" spcFirstLastPara="0" vertOverflow="overflow" horzOverflow="overflow" vert="horz" wrap="square" lIns="91440" tIns="45720" rIns="91440" bIns="45720" numCol="1" spcCol="0" rtlCol="0" fromWordArt="0" anchor="t" anchorCtr="0" forceAA="0" compatLnSpc="1">
-            <a:prstTxWarp prst="textNoShape">
-              <a:avLst/>
-            </a:prstTxWarp>
-            <a:spAutoFit/>
-          </a:bodyPr>
-          <a:lstStyle/>
-          <a:p>
-            <a:pPr algn="ctr"/>
-            <a:r>
-              <a:rPr lang="en-US" sz="1050">
-                <a:latin typeface="Arial"/>
-                <a:cs typeface="Arial"/>
-              </a:rPr>
-              <a:t>Source: </a:t>
-            </a:r>
-            <a:r>
-              <a:rPr lang="en-US" sz="1050" u="sng">
-                <a:solidFill>
-                  <a:srgbClr val="1155CC"/>
-                </a:solidFill>
-                <a:latin typeface="Arial"/>
-                <a:cs typeface="Arial"/>
-                <a:hlinkClick r:id="rId2"/>
-              </a:rPr>
-              <a:t>https://cacm.acm.org/blogs/blog-cacm/169199-data-science-workflow-overview-and-challenges/fulltext</a:t>
-            </a:r>
-            <a:endParaRPr lang="en-US" sz="1050">
               <a:latin typeface="Arial"/>
               <a:cs typeface="Arial"/>
             </a:endParaRPr>
@@ -8703,36 +8571,6 @@
           <a:chExt cx="0" cy="0"/>
         </a:xfrm>
       </p:grpSpPr>
-    </p:spTree>
-    <p:extLst>
-      <p:ext uri="{BB962C8B-B14F-4D97-AF65-F5344CB8AC3E}">
-        <p14:creationId xmlns:p14="http://schemas.microsoft.com/office/powerpoint/2010/main" val="1334508650"/>
-      </p:ext>
-    </p:extLst>
-  </p:cSld>
-  <p:clrMapOvr>
-    <a:masterClrMapping/>
-  </p:clrMapOvr>
-</p:sld>
-</file>
-
-<file path=ppt/slides/slide8.xml><?xml version="1.0" encoding="utf-8"?>
-<p:sld xmlns:a="http://schemas.openxmlformats.org/drawingml/2006/main" xmlns:r="http://schemas.openxmlformats.org/officeDocument/2006/relationships" xmlns:p="http://schemas.openxmlformats.org/presentationml/2006/main">
-  <p:cSld>
-    <p:spTree>
-      <p:nvGrpSpPr>
-        <p:cNvPr id="1" name=""/>
-        <p:cNvGrpSpPr/>
-        <p:nvPr/>
-      </p:nvGrpSpPr>
-      <p:grpSpPr>
-        <a:xfrm>
-          <a:off x="0" y="0"/>
-          <a:ext cx="0" cy="0"/>
-          <a:chOff x="0" y="0"/>
-          <a:chExt cx="0" cy="0"/>
-        </a:xfrm>
-      </p:grpSpPr>
       <p:sp>
         <p:nvSpPr>
           <p:cNvPr id="2" name="Title 1"/>
@@ -8793,7 +8631,7 @@
 </p:sld>
 </file>
 
-<file path=ppt/slides/slide9.xml><?xml version="1.0" encoding="utf-8"?>
+<file path=ppt/slides/slide8.xml><?xml version="1.0" encoding="utf-8"?>
 <p:sld xmlns:a="http://schemas.openxmlformats.org/drawingml/2006/main" xmlns:r="http://schemas.openxmlformats.org/officeDocument/2006/relationships" xmlns:p="http://schemas.openxmlformats.org/presentationml/2006/main">
   <p:cSld>
     <p:spTree>
@@ -8978,6 +8816,291 @@
     <p:extLst>
       <p:ext uri="{BB962C8B-B14F-4D97-AF65-F5344CB8AC3E}">
         <p14:creationId xmlns:p14="http://schemas.microsoft.com/office/powerpoint/2010/main" val="2061687349"/>
+      </p:ext>
+    </p:extLst>
+  </p:cSld>
+  <p:clrMapOvr>
+    <a:masterClrMapping/>
+  </p:clrMapOvr>
+</p:sld>
+</file>
+
+<file path=ppt/slides/slide9.xml><?xml version="1.0" encoding="utf-8"?>
+<p:sld xmlns:a="http://schemas.openxmlformats.org/drawingml/2006/main" xmlns:r="http://schemas.openxmlformats.org/officeDocument/2006/relationships" xmlns:p="http://schemas.openxmlformats.org/presentationml/2006/main">
+  <p:cSld>
+    <p:spTree>
+      <p:nvGrpSpPr>
+        <p:cNvPr id="1" name=""/>
+        <p:cNvGrpSpPr/>
+        <p:nvPr/>
+      </p:nvGrpSpPr>
+      <p:grpSpPr>
+        <a:xfrm>
+          <a:off x="0" y="0"/>
+          <a:ext cx="0" cy="0"/>
+          <a:chOff x="0" y="0"/>
+          <a:chExt cx="0" cy="0"/>
+        </a:xfrm>
+      </p:grpSpPr>
+      <p:sp>
+        <p:nvSpPr>
+          <p:cNvPr id="2" name="Title 1"/>
+          <p:cNvSpPr>
+            <a:spLocks noGrp="1"/>
+          </p:cNvSpPr>
+          <p:nvPr>
+            <p:ph type="title"/>
+          </p:nvPr>
+        </p:nvSpPr>
+        <p:spPr/>
+        <p:txBody>
+          <a:bodyPr/>
+          <a:lstStyle/>
+          <a:p>
+            <a:pPr algn="ctr"/>
+            <a:r>
+              <a:rPr lang="en-US" b="1"/>
+              <a:t>Exploration Phase</a:t>
+            </a:r>
+          </a:p>
+        </p:txBody>
+      </p:sp>
+      <p:sp>
+        <p:nvSpPr>
+          <p:cNvPr id="3" name="Content Placeholder 2"/>
+          <p:cNvSpPr>
+            <a:spLocks noGrp="1"/>
+          </p:cNvSpPr>
+          <p:nvPr>
+            <p:ph idx="1"/>
+          </p:nvPr>
+        </p:nvSpPr>
+        <p:spPr>
+          <a:xfrm>
+            <a:off x="3629025" y="-38100"/>
+            <a:ext cx="7315200" cy="5120640"/>
+          </a:xfrm>
+        </p:spPr>
+        <p:txBody>
+          <a:bodyPr/>
+          <a:lstStyle/>
+          <a:p>
+            <a:r>
+              <a:rPr lang="en-US"/>
+              <a:t>Analyzed Length of Messages v/s Number of Texts for each Label</a:t>
+            </a:r>
+          </a:p>
+          <a:p>
+            <a:pPr>
+              <a:buFont typeface="Arial" pitchFamily="18" charset="2"/>
+              <a:buChar char="•"/>
+            </a:pPr>
+            <a:endParaRPr lang="en-US"/>
+          </a:p>
+          <a:p>
+            <a:pPr>
+              <a:buFont typeface="Arial" pitchFamily="18" charset="2"/>
+              <a:buChar char="•"/>
+            </a:pPr>
+            <a:r>
+              <a:rPr lang="en-US"/>
+              <a:t>Manually Engineered Differentiating Features of Spam SMS</a:t>
+            </a:r>
+            <a:endParaRPr lang="en-US">
+              <a:solidFill>
+                <a:schemeClr val="tx1"/>
+              </a:solidFill>
+            </a:endParaRPr>
+          </a:p>
+          <a:p>
+            <a:pPr lvl="1">
+              <a:spcBef>
+                <a:spcPts val="200"/>
+              </a:spcBef>
+              <a:buFont typeface="Courier New" pitchFamily="18" charset="2"/>
+              <a:buChar char="o"/>
+            </a:pPr>
+            <a:r>
+              <a:rPr lang="en-US"/>
+              <a:t>Verified by Producing Word Cloud for Spam SMS</a:t>
+            </a:r>
+          </a:p>
+          <a:p>
+            <a:pPr lvl="1">
+              <a:spcBef>
+                <a:spcPts val="200"/>
+              </a:spcBef>
+              <a:buFont typeface="Courier New" pitchFamily="18" charset="2"/>
+              <a:buChar char="o"/>
+            </a:pPr>
+            <a:r>
+              <a:rPr lang="en-US"/>
+              <a:t>Visualized Uni-Grams  using Bar-Plots</a:t>
+            </a:r>
+          </a:p>
+          <a:p>
+            <a:pPr lvl="1">
+              <a:spcBef>
+                <a:spcPts val="200"/>
+              </a:spcBef>
+              <a:buFont typeface="Courier New" pitchFamily="18" charset="2"/>
+              <a:buChar char="o"/>
+            </a:pPr>
+            <a:r>
+              <a:rPr lang="en-US"/>
+              <a:t>Verified Bar-Plots using Random Forest</a:t>
+            </a:r>
+          </a:p>
+          <a:p>
+            <a:pPr marL="502920" lvl="1" indent="0">
+              <a:spcBef>
+                <a:spcPts val="200"/>
+              </a:spcBef>
+              <a:spcAft>
+                <a:spcPts val="200"/>
+              </a:spcAft>
+              <a:buNone/>
+            </a:pPr>
+            <a:endParaRPr lang="en-US"/>
+          </a:p>
+        </p:txBody>
+      </p:sp>
+      <p:graphicFrame>
+        <p:nvGraphicFramePr>
+          <p:cNvPr id="4" name="Table 4"/>
+          <p:cNvGraphicFramePr>
+            <a:graphicFrameLocks noGrp="1"/>
+          </p:cNvGraphicFramePr>
+          <p:nvPr>
+            <p:extLst>
+              <p:ext uri="{D42A27DB-BD31-4B8C-83A1-F6EECF244321}">
+                <p14:modId xmlns:p14="http://schemas.microsoft.com/office/powerpoint/2010/main" val="3087341460"/>
+              </p:ext>
+            </p:extLst>
+          </p:nvPr>
+        </p:nvGraphicFramePr>
+        <p:xfrm>
+          <a:off x="3619500" y="4200525"/>
+          <a:ext cx="7966250" cy="1285240"/>
+        </p:xfrm>
+        <a:graphic>
+          <a:graphicData uri="http://schemas.openxmlformats.org/drawingml/2006/table">
+            <a:tbl>
+              <a:tblPr firstRow="1" bandRow="1">
+                <a:tableStyleId>{5C22544A-7EE6-4342-B048-85BDC9FD1C3A}</a:tableStyleId>
+              </a:tblPr>
+              <a:tblGrid>
+                <a:gridCol w="3983125">
+                  <a:extLst>
+                    <a:ext uri="{9D8B030D-6E8A-4147-A177-3AD203B41FA5}">
+                      <a16:colId xmlns:a16="http://schemas.microsoft.com/office/drawing/2014/main" val="881908604"/>
+                    </a:ext>
+                  </a:extLst>
+                </a:gridCol>
+                <a:gridCol w="3983125">
+                  <a:extLst>
+                    <a:ext uri="{9D8B030D-6E8A-4147-A177-3AD203B41FA5}">
+                      <a16:colId xmlns:a16="http://schemas.microsoft.com/office/drawing/2014/main" val="1374067938"/>
+                    </a:ext>
+                  </a:extLst>
+                </a:gridCol>
+              </a:tblGrid>
+              <a:tr h="370840">
+                <a:tc>
+                  <a:txBody>
+                    <a:bodyPr/>
+                    <a:lstStyle/>
+                    <a:p>
+                      <a:pPr algn="ctr">
+                        <a:buNone/>
+                      </a:pPr>
+                      <a:r>
+                        <a:rPr lang="en-US">
+                          <a:latin typeface="Arial"/>
+                        </a:rPr>
+                        <a:t>Input</a:t>
+                      </a:r>
+                    </a:p>
+                  </a:txBody>
+                  <a:tcPr/>
+                </a:tc>
+                <a:tc>
+                  <a:txBody>
+                    <a:bodyPr/>
+                    <a:lstStyle/>
+                    <a:p>
+                      <a:pPr algn="ctr">
+                        <a:buNone/>
+                      </a:pPr>
+                      <a:r>
+                        <a:rPr lang="en-US" b="1">
+                          <a:latin typeface="Arial"/>
+                        </a:rPr>
+                        <a:t>Output</a:t>
+                      </a:r>
+                    </a:p>
+                  </a:txBody>
+                  <a:tcPr/>
+                </a:tc>
+                <a:extLst>
+                  <a:ext uri="{0D108BD9-81ED-4DB2-BD59-A6C34878D82A}">
+                    <a16:rowId xmlns:a16="http://schemas.microsoft.com/office/drawing/2014/main" val="302555811"/>
+                  </a:ext>
+                </a:extLst>
+              </a:tr>
+              <a:tr h="370840">
+                <a:tc>
+                  <a:txBody>
+                    <a:bodyPr/>
+                    <a:lstStyle/>
+                    <a:p>
+                      <a:pPr>
+                        <a:buNone/>
+                      </a:pPr>
+                      <a:r>
+                        <a:rPr lang="en-US"/>
+                        <a:t>Clean data</a:t>
+                      </a:r>
+                    </a:p>
+                  </a:txBody>
+                  <a:tcPr/>
+                </a:tc>
+                <a:tc>
+                  <a:txBody>
+                    <a:bodyPr/>
+                    <a:lstStyle/>
+                    <a:p>
+                      <a:pPr>
+                        <a:buNone/>
+                      </a:pPr>
+                      <a:r>
+                        <a:rPr lang="en-US"/>
+                        <a:t>Analysis of features that make a Spam SMS different from a Legitimate SMS</a:t>
+                      </a:r>
+                    </a:p>
+                    <a:p>
+                      <a:pPr lvl="0">
+                        <a:buNone/>
+                      </a:pPr>
+                      <a:endParaRPr lang="en-US"/>
+                    </a:p>
+                  </a:txBody>
+                  <a:tcPr/>
+                </a:tc>
+                <a:extLst>
+                  <a:ext uri="{0D108BD9-81ED-4DB2-BD59-A6C34878D82A}">
+                    <a16:rowId xmlns:a16="http://schemas.microsoft.com/office/drawing/2014/main" val="3072619964"/>
+                  </a:ext>
+                </a:extLst>
+              </a:tr>
+            </a:tbl>
+          </a:graphicData>
+        </a:graphic>
+      </p:graphicFrame>
+    </p:spTree>
+    <p:extLst>
+      <p:ext uri="{BB962C8B-B14F-4D97-AF65-F5344CB8AC3E}">
+        <p14:creationId xmlns:p14="http://schemas.microsoft.com/office/powerpoint/2010/main" val="1739067703"/>
       </p:ext>
     </p:extLst>
   </p:cSld>
